--- a/presentation/Presentation.pptx
+++ b/presentation/Presentation.pptx
@@ -120,6 +120,11 @@
       </a:defRPr>
     </a:lvl9pPr>
   </p:defaultTextStyle>
+  <p:extLst>
+    <p:ext uri="{EFAFB233-063F-42B5-8137-9DF3F51BA10A}">
+      <p15:sldGuideLst xmlns:p15="http://schemas.microsoft.com/office/powerpoint/2012/main"/>
+    </p:ext>
+  </p:extLst>
 </p:presentation>
 </file>
 
@@ -3312,7 +3317,6 @@
               <a:rPr lang="en-US" dirty="0" smtClean="0"/>
               <a:t> = beam width</a:t>
             </a:r>
-            <a:endParaRPr lang="en-US" dirty="0" smtClean="0"/>
           </a:p>
           <a:p>
             <a:r>
@@ -3495,18 +3499,19 @@
             <p:ph idx="1"/>
           </p:nvPr>
         </p:nvSpPr>
-        <p:spPr/>
+        <p:spPr>
+          <a:xfrm>
+            <a:off x="838200" y="1690688"/>
+            <a:ext cx="10515600" cy="4351338"/>
+          </a:xfrm>
+        </p:spPr>
         <p:txBody>
           <a:bodyPr/>
           <a:lstStyle/>
           <a:p>
             <a:r>
               <a:rPr lang="en-US" dirty="0" smtClean="0"/>
-              <a:t>M</a:t>
-            </a:r>
-            <a:r>
-              <a:rPr lang="en-US" dirty="0" smtClean="0"/>
-              <a:t>inimizes the number of printing volumes needed to tile the partitions</a:t>
+              <a:t>Minimizes the number of printing volumes needed to tile the partitions</a:t>
             </a:r>
           </a:p>
           <a:p>
@@ -3518,21 +3523,75 @@
           <a:p>
             <a:r>
               <a:rPr lang="en-US" dirty="0" smtClean="0"/>
-              <a:t>OBB computed by using rotating calipers method [Toussaint 1983] to optimize 2 axes at a time</a:t>
-            </a:r>
-          </a:p>
-          <a:p>
+              <a:t>OBB computed by using rotating calipers method [Toussaint 1983] to optimize 2 axes at a </a:t>
+            </a:r>
             <a:r>
               <a:rPr lang="en-US" dirty="0" smtClean="0"/>
-              <a:t>Right now, approximating using Axis-Aligned Bounding Box</a:t>
+              <a:t>time</a:t>
             </a:r>
             <a:endParaRPr lang="en-US" dirty="0" smtClean="0"/>
           </a:p>
-          <a:p>
-            <a:endParaRPr lang="en-US" dirty="0"/>
-          </a:p>
-        </p:txBody>
-      </p:sp>
+        </p:txBody>
+      </p:sp>
+      <p:pic>
+        <p:nvPicPr>
+          <p:cNvPr id="4" name="Picture 3"/>
+          <p:cNvPicPr>
+            <a:picLocks noChangeAspect="1"/>
+          </p:cNvPicPr>
+          <p:nvPr/>
+        </p:nvPicPr>
+        <p:blipFill rotWithShape="1">
+          <a:blip r:embed="rId2" cstate="print">
+            <a:extLst>
+              <a:ext uri="{28A0092B-C50C-407E-A947-70E740481C1C}">
+                <a14:useLocalDpi xmlns:a14="http://schemas.microsoft.com/office/drawing/2010/main" val="0"/>
+              </a:ext>
+            </a:extLst>
+          </a:blip>
+          <a:srcRect l="10989" t="15110" r="9527" b="8560"/>
+          <a:stretch/>
+        </p:blipFill>
+        <p:spPr>
+          <a:xfrm>
+            <a:off x="5195455" y="3710775"/>
+            <a:ext cx="2992582" cy="2951208"/>
+          </a:xfrm>
+          <a:prstGeom prst="rect">
+            <a:avLst/>
+          </a:prstGeom>
+        </p:spPr>
+      </p:pic>
+      <p:pic>
+        <p:nvPicPr>
+          <p:cNvPr id="5" name="Picture 4"/>
+          <p:cNvPicPr>
+            <a:picLocks noChangeAspect="1"/>
+          </p:cNvPicPr>
+          <p:nvPr/>
+        </p:nvPicPr>
+        <p:blipFill>
+          <a:blip r:embed="rId3" cstate="print">
+            <a:extLst>
+              <a:ext uri="{28A0092B-C50C-407E-A947-70E740481C1C}">
+                <a14:useLocalDpi xmlns:a14="http://schemas.microsoft.com/office/drawing/2010/main" val="0"/>
+              </a:ext>
+            </a:extLst>
+          </a:blip>
+          <a:stretch>
+            <a:fillRect/>
+          </a:stretch>
+        </p:blipFill>
+        <p:spPr>
+          <a:xfrm>
+            <a:off x="8991275" y="3698974"/>
+            <a:ext cx="2875144" cy="2952618"/>
+          </a:xfrm>
+          <a:prstGeom prst="rect">
+            <a:avLst/>
+          </a:prstGeom>
+        </p:spPr>
+      </p:pic>
     </p:spTree>
     <p:extLst>
       <p:ext uri="{BB962C8B-B14F-4D97-AF65-F5344CB8AC3E}">
@@ -3926,11 +3985,7 @@
           <a:p>
             <a:r>
               <a:rPr lang="en-US" dirty="0" smtClean="0"/>
-              <a:t>M</a:t>
-            </a:r>
-            <a:r>
-              <a:rPr lang="en-US" dirty="0" smtClean="0"/>
-              <a:t>aximizes the use of the printing volume</a:t>
+              <a:t>Maximizes the use of the printing volume</a:t>
             </a:r>
           </a:p>
           <a:p>
@@ -3944,6 +3999,36 @@
           </a:p>
         </p:txBody>
       </p:sp>
+      <p:pic>
+        <p:nvPicPr>
+          <p:cNvPr id="4" name="Picture 3"/>
+          <p:cNvPicPr>
+            <a:picLocks noChangeAspect="1"/>
+          </p:cNvPicPr>
+          <p:nvPr/>
+        </p:nvPicPr>
+        <p:blipFill>
+          <a:blip r:embed="rId2" cstate="print">
+            <a:extLst>
+              <a:ext uri="{28A0092B-C50C-407E-A947-70E740481C1C}">
+                <a14:useLocalDpi xmlns:a14="http://schemas.microsoft.com/office/drawing/2010/main" val="0"/>
+              </a:ext>
+            </a:extLst>
+          </a:blip>
+          <a:stretch>
+            <a:fillRect/>
+          </a:stretch>
+        </p:blipFill>
+        <p:spPr>
+          <a:xfrm>
+            <a:off x="6665589" y="3335481"/>
+            <a:ext cx="3268199" cy="3356264"/>
+          </a:xfrm>
+          <a:prstGeom prst="rect">
+            <a:avLst/>
+          </a:prstGeom>
+        </p:spPr>
+      </p:pic>
     </p:spTree>
     <p:extLst>
       <p:ext uri="{BB962C8B-B14F-4D97-AF65-F5344CB8AC3E}">
@@ -4018,11 +4103,7 @@
           <a:p>
             <a:r>
               <a:rPr lang="en-US" dirty="0" smtClean="0"/>
-              <a:t>M</a:t>
-            </a:r>
-            <a:r>
-              <a:rPr lang="en-US" dirty="0" smtClean="0"/>
-              <a:t>aximizes quality of connector placement</a:t>
+              <a:t>Maximizes quality of connector placement</a:t>
             </a:r>
           </a:p>
           <a:p>
@@ -4036,7 +4117,6 @@
               <a:rPr lang="en-US" dirty="0" smtClean="0"/>
               <a:t>Compares area of connector to area of the convex hull to ensure that connector can be placed in that cross section</a:t>
             </a:r>
-            <a:endParaRPr lang="en-US" dirty="0" smtClean="0"/>
           </a:p>
           <a:p>
             <a:endParaRPr lang="en-US" dirty="0" smtClean="0"/>
@@ -4446,7 +4526,6 @@
               <a:rPr lang="en-US" dirty="0" smtClean="0"/>
               <a:t>Beam Search algorithm for finding the next best cut</a:t>
             </a:r>
-            <a:endParaRPr lang="en-US" dirty="0" smtClean="0"/>
           </a:p>
           <a:p>
             <a:r>

--- a/presentation/Presentation.pptx
+++ b/presentation/Presentation.pptx
@@ -18,10 +18,12 @@
     <p:sldId id="270" r:id="rId12"/>
     <p:sldId id="271" r:id="rId13"/>
     <p:sldId id="272" r:id="rId14"/>
-    <p:sldId id="260" r:id="rId15"/>
-    <p:sldId id="261" r:id="rId16"/>
-    <p:sldId id="273" r:id="rId17"/>
-    <p:sldId id="274" r:id="rId18"/>
+    <p:sldId id="273" r:id="rId15"/>
+    <p:sldId id="274" r:id="rId16"/>
+    <p:sldId id="261" r:id="rId17"/>
+    <p:sldId id="275" r:id="rId18"/>
+    <p:sldId id="276" r:id="rId19"/>
+    <p:sldId id="277" r:id="rId20"/>
   </p:sldIdLst>
   <p:sldSz cx="12192000" cy="6858000"/>
   <p:notesSz cx="6858000" cy="9144000"/>
@@ -3035,6 +3037,204 @@
       </p:sp>
       <p:pic>
         <p:nvPicPr>
+          <p:cNvPr id="5" name="Picture 4"/>
+          <p:cNvPicPr>
+            <a:picLocks noChangeAspect="1"/>
+          </p:cNvPicPr>
+          <p:nvPr/>
+        </p:nvPicPr>
+        <p:blipFill>
+          <a:blip r:embed="rId2">
+            <a:extLst>
+              <a:ext uri="{28A0092B-C50C-407E-A947-70E740481C1C}">
+                <a14:useLocalDpi xmlns:a14="http://schemas.microsoft.com/office/drawing/2010/main" val="0"/>
+              </a:ext>
+            </a:extLst>
+          </a:blip>
+          <a:stretch>
+            <a:fillRect/>
+          </a:stretch>
+        </p:blipFill>
+        <p:spPr>
+          <a:xfrm>
+            <a:off x="477544" y="3509963"/>
+            <a:ext cx="3015964" cy="3184858"/>
+          </a:xfrm>
+          <a:prstGeom prst="rect">
+            <a:avLst/>
+          </a:prstGeom>
+        </p:spPr>
+      </p:pic>
+      <p:pic>
+        <p:nvPicPr>
+          <p:cNvPr id="6" name="Picture 5"/>
+          <p:cNvPicPr>
+            <a:picLocks noChangeAspect="1"/>
+          </p:cNvPicPr>
+          <p:nvPr/>
+        </p:nvPicPr>
+        <p:blipFill>
+          <a:blip r:embed="rId3" cstate="print">
+            <a:extLst>
+              <a:ext uri="{28A0092B-C50C-407E-A947-70E740481C1C}">
+                <a14:useLocalDpi xmlns:a14="http://schemas.microsoft.com/office/drawing/2010/main" val="0"/>
+              </a:ext>
+            </a:extLst>
+          </a:blip>
+          <a:stretch>
+            <a:fillRect/>
+          </a:stretch>
+        </p:blipFill>
+        <p:spPr>
+          <a:xfrm>
+            <a:off x="8614501" y="3511334"/>
+            <a:ext cx="3099955" cy="3183487"/>
+          </a:xfrm>
+          <a:prstGeom prst="rect">
+            <a:avLst/>
+          </a:prstGeom>
+        </p:spPr>
+      </p:pic>
+    </p:spTree>
+    <p:extLst>
+      <p:ext uri="{BB962C8B-B14F-4D97-AF65-F5344CB8AC3E}">
+        <p14:creationId xmlns:p14="http://schemas.microsoft.com/office/powerpoint/2010/main" val="42537919"/>
+      </p:ext>
+    </p:extLst>
+  </p:cSld>
+  <p:clrMapOvr>
+    <a:masterClrMapping/>
+  </p:clrMapOvr>
+  <p:timing>
+    <p:tnLst>
+      <p:par>
+        <p:cTn id="1" dur="indefinite" restart="never" nodeType="tmRoot"/>
+      </p:par>
+    </p:tnLst>
+  </p:timing>
+</p:sld>
+</file>
+
+<file path=ppt/slides/slide10.xml><?xml version="1.0" encoding="utf-8"?>
+<p:sld xmlns:a="http://schemas.openxmlformats.org/drawingml/2006/main" xmlns:r="http://schemas.openxmlformats.org/officeDocument/2006/relationships" xmlns:p="http://schemas.openxmlformats.org/presentationml/2006/main">
+  <p:cSld>
+    <p:spTree>
+      <p:nvGrpSpPr>
+        <p:cNvPr id="1" name=""/>
+        <p:cNvGrpSpPr/>
+        <p:nvPr/>
+      </p:nvGrpSpPr>
+      <p:grpSpPr>
+        <a:xfrm>
+          <a:off x="0" y="0"/>
+          <a:ext cx="0" cy="0"/>
+          <a:chOff x="0" y="0"/>
+          <a:chExt cx="0" cy="0"/>
+        </a:xfrm>
+      </p:grpSpPr>
+      <p:sp>
+        <p:nvSpPr>
+          <p:cNvPr id="2" name="Title 1"/>
+          <p:cNvSpPr>
+            <a:spLocks noGrp="1"/>
+          </p:cNvSpPr>
+          <p:nvPr>
+            <p:ph type="title"/>
+          </p:nvPr>
+        </p:nvSpPr>
+        <p:spPr/>
+        <p:txBody>
+          <a:bodyPr/>
+          <a:lstStyle/>
+          <a:p>
+            <a:r>
+              <a:rPr lang="en-US" b="1" dirty="0" smtClean="0"/>
+              <a:t>Closing the Mesh - Triangulation</a:t>
+            </a:r>
+            <a:endParaRPr lang="en-US" b="1" dirty="0"/>
+          </a:p>
+        </p:txBody>
+      </p:sp>
+      <p:sp>
+        <p:nvSpPr>
+          <p:cNvPr id="3" name="Content Placeholder 2"/>
+          <p:cNvSpPr>
+            <a:spLocks noGrp="1"/>
+          </p:cNvSpPr>
+          <p:nvPr>
+            <p:ph idx="1"/>
+          </p:nvPr>
+        </p:nvSpPr>
+        <p:spPr>
+          <a:xfrm>
+            <a:off x="838200" y="1825625"/>
+            <a:ext cx="7487901" cy="4351338"/>
+          </a:xfrm>
+        </p:spPr>
+        <p:txBody>
+          <a:bodyPr>
+            <a:normAutofit lnSpcReduction="10000"/>
+          </a:bodyPr>
+          <a:lstStyle/>
+          <a:p>
+            <a:r>
+              <a:rPr lang="en-US" dirty="0" smtClean="0"/>
+              <a:t>Given an open mesh, need to close it along the cutting plane</a:t>
+            </a:r>
+          </a:p>
+          <a:p>
+            <a:r>
+              <a:rPr lang="en-US" dirty="0" smtClean="0"/>
+              <a:t>1</a:t>
+            </a:r>
+            <a:r>
+              <a:rPr lang="en-US" baseline="30000" dirty="0" smtClean="0"/>
+              <a:t>st</a:t>
+            </a:r>
+            <a:r>
+              <a:rPr lang="en-US" dirty="0" smtClean="0"/>
+              <a:t>: Project the points along the boundary onto cutting plane </a:t>
+            </a:r>
+          </a:p>
+          <a:p>
+            <a:r>
+              <a:rPr lang="en-US" dirty="0" smtClean="0"/>
+              <a:t>2</a:t>
+            </a:r>
+            <a:r>
+              <a:rPr lang="en-US" baseline="30000" dirty="0" smtClean="0"/>
+              <a:t>nd</a:t>
+            </a:r>
+            <a:r>
+              <a:rPr lang="en-US" dirty="0" smtClean="0"/>
+              <a:t>: Split the polygon into monotone pieces (polygon is monotone with respect to a straight line, L, if all orthogonal lines to L intersect the polygon at least once)</a:t>
+            </a:r>
+          </a:p>
+          <a:p>
+            <a:r>
+              <a:rPr lang="en-US" dirty="0" smtClean="0"/>
+              <a:t>3</a:t>
+            </a:r>
+            <a:r>
+              <a:rPr lang="en-US" baseline="30000" dirty="0" smtClean="0"/>
+              <a:t>rd</a:t>
+            </a:r>
+            <a:r>
+              <a:rPr lang="en-US" dirty="0" smtClean="0"/>
+              <a:t>: Triangulate the monotone polygons</a:t>
+            </a:r>
+          </a:p>
+          <a:p>
+            <a:r>
+              <a:rPr lang="en-US" dirty="0" smtClean="0"/>
+              <a:t>But not a priority</a:t>
+            </a:r>
+            <a:endParaRPr lang="en-US" dirty="0"/>
+          </a:p>
+        </p:txBody>
+      </p:sp>
+      <p:pic>
+        <p:nvPicPr>
           <p:cNvPr id="4" name="Picture 3"/>
           <p:cNvPicPr>
             <a:picLocks noChangeAspect="1"/>
@@ -3055,168 +3255,14 @@
         </p:blipFill>
         <p:spPr>
           <a:xfrm>
-            <a:off x="8478980" y="3509963"/>
-            <a:ext cx="3096493" cy="3179932"/>
+            <a:off x="8835255" y="229031"/>
+            <a:ext cx="2667481" cy="3772263"/>
           </a:xfrm>
           <a:prstGeom prst="rect">
             <a:avLst/>
           </a:prstGeom>
         </p:spPr>
       </p:pic>
-      <p:pic>
-        <p:nvPicPr>
-          <p:cNvPr id="5" name="Picture 4"/>
-          <p:cNvPicPr>
-            <a:picLocks noChangeAspect="1"/>
-          </p:cNvPicPr>
-          <p:nvPr/>
-        </p:nvPicPr>
-        <p:blipFill>
-          <a:blip r:embed="rId3">
-            <a:extLst>
-              <a:ext uri="{28A0092B-C50C-407E-A947-70E740481C1C}">
-                <a14:useLocalDpi xmlns:a14="http://schemas.microsoft.com/office/drawing/2010/main" val="0"/>
-              </a:ext>
-            </a:extLst>
-          </a:blip>
-          <a:stretch>
-            <a:fillRect/>
-          </a:stretch>
-        </p:blipFill>
-        <p:spPr>
-          <a:xfrm>
-            <a:off x="477544" y="3509963"/>
-            <a:ext cx="3015964" cy="3184858"/>
-          </a:xfrm>
-          <a:prstGeom prst="rect">
-            <a:avLst/>
-          </a:prstGeom>
-        </p:spPr>
-      </p:pic>
-    </p:spTree>
-    <p:extLst>
-      <p:ext uri="{BB962C8B-B14F-4D97-AF65-F5344CB8AC3E}">
-        <p14:creationId xmlns:p14="http://schemas.microsoft.com/office/powerpoint/2010/main" val="42537919"/>
-      </p:ext>
-    </p:extLst>
-  </p:cSld>
-  <p:clrMapOvr>
-    <a:masterClrMapping/>
-  </p:clrMapOvr>
-</p:sld>
-</file>
-
-<file path=ppt/slides/slide10.xml><?xml version="1.0" encoding="utf-8"?>
-<p:sld xmlns:a="http://schemas.openxmlformats.org/drawingml/2006/main" xmlns:r="http://schemas.openxmlformats.org/officeDocument/2006/relationships" xmlns:p="http://schemas.openxmlformats.org/presentationml/2006/main">
-  <p:cSld>
-    <p:spTree>
-      <p:nvGrpSpPr>
-        <p:cNvPr id="1" name=""/>
-        <p:cNvGrpSpPr/>
-        <p:nvPr/>
-      </p:nvGrpSpPr>
-      <p:grpSpPr>
-        <a:xfrm>
-          <a:off x="0" y="0"/>
-          <a:ext cx="0" cy="0"/>
-          <a:chOff x="0" y="0"/>
-          <a:chExt cx="0" cy="0"/>
-        </a:xfrm>
-      </p:grpSpPr>
-      <p:sp>
-        <p:nvSpPr>
-          <p:cNvPr id="2" name="Title 1"/>
-          <p:cNvSpPr>
-            <a:spLocks noGrp="1"/>
-          </p:cNvSpPr>
-          <p:nvPr>
-            <p:ph type="title"/>
-          </p:nvPr>
-        </p:nvSpPr>
-        <p:spPr/>
-        <p:txBody>
-          <a:bodyPr/>
-          <a:lstStyle/>
-          <a:p>
-            <a:r>
-              <a:rPr lang="en-US" b="1" dirty="0" smtClean="0"/>
-              <a:t>Closing the Mesh - Triangulation</a:t>
-            </a:r>
-            <a:endParaRPr lang="en-US" b="1" dirty="0"/>
-          </a:p>
-        </p:txBody>
-      </p:sp>
-      <p:sp>
-        <p:nvSpPr>
-          <p:cNvPr id="3" name="Content Placeholder 2"/>
-          <p:cNvSpPr>
-            <a:spLocks noGrp="1"/>
-          </p:cNvSpPr>
-          <p:nvPr>
-            <p:ph idx="1"/>
-          </p:nvPr>
-        </p:nvSpPr>
-        <p:spPr/>
-        <p:txBody>
-          <a:bodyPr/>
-          <a:lstStyle/>
-          <a:p>
-            <a:r>
-              <a:rPr lang="en-US" dirty="0" smtClean="0"/>
-              <a:t>Given an open mesh, need to close it along the cutting plane</a:t>
-            </a:r>
-          </a:p>
-          <a:p>
-            <a:r>
-              <a:rPr lang="en-US" dirty="0" smtClean="0"/>
-              <a:t>1</a:t>
-            </a:r>
-            <a:r>
-              <a:rPr lang="en-US" baseline="30000" dirty="0" smtClean="0"/>
-              <a:t>st</a:t>
-            </a:r>
-            <a:r>
-              <a:rPr lang="en-US" dirty="0" smtClean="0"/>
-              <a:t>: Project the points along the boundary onto cutting plane </a:t>
-            </a:r>
-          </a:p>
-          <a:p>
-            <a:r>
-              <a:rPr lang="en-US" dirty="0" smtClean="0"/>
-              <a:t>2</a:t>
-            </a:r>
-            <a:r>
-              <a:rPr lang="en-US" baseline="30000" dirty="0" smtClean="0"/>
-              <a:t>nd</a:t>
-            </a:r>
-            <a:r>
-              <a:rPr lang="en-US" dirty="0" smtClean="0"/>
-              <a:t>: Split the polygon into monotone pieces (polygon is monotone with respect to a straight line, L, if all orthogonal lines to L intersect the polygon at least once)</a:t>
-            </a:r>
-          </a:p>
-          <a:p>
-            <a:r>
-              <a:rPr lang="en-US" dirty="0" smtClean="0"/>
-              <a:t>3</a:t>
-            </a:r>
-            <a:r>
-              <a:rPr lang="en-US" baseline="30000" dirty="0" smtClean="0"/>
-              <a:t>rd</a:t>
-            </a:r>
-            <a:r>
-              <a:rPr lang="en-US" dirty="0" smtClean="0"/>
-              <a:t>: Triangulate the monotone polygons</a:t>
-            </a:r>
-          </a:p>
-          <a:p>
-            <a:r>
-              <a:rPr lang="en-US" dirty="0" smtClean="0"/>
-              <a:t>But not a priority</a:t>
-            </a:r>
-            <a:endParaRPr lang="en-US" dirty="0"/>
-          </a:p>
-        </p:txBody>
-      </p:sp>
     </p:spTree>
     <p:extLst>
       <p:ext uri="{BB962C8B-B14F-4D97-AF65-F5344CB8AC3E}">
@@ -3227,6 +3273,13 @@
   <p:clrMapOvr>
     <a:masterClrMapping/>
   </p:clrMapOvr>
+  <p:timing>
+    <p:tnLst>
+      <p:par>
+        <p:cTn id="1" dur="indefinite" restart="never" nodeType="tmRoot"/>
+      </p:par>
+    </p:tnLst>
+  </p:timing>
 </p:sld>
 </file>
 
@@ -3337,6 +3390,13 @@
   <p:clrMapOvr>
     <a:masterClrMapping/>
   </p:clrMapOvr>
+  <p:timing>
+    <p:tnLst>
+      <p:par>
+        <p:cTn id="1" dur="indefinite" restart="never" nodeType="tmRoot"/>
+      </p:par>
+    </p:tnLst>
+  </p:timing>
 </p:sld>
 </file>
 
@@ -3442,6 +3502,13 @@
   <p:clrMapOvr>
     <a:masterClrMapping/>
   </p:clrMapOvr>
+  <p:timing>
+    <p:tnLst>
+      <p:par>
+        <p:cTn id="1" dur="indefinite" restart="never" nodeType="tmRoot"/>
+      </p:par>
+    </p:tnLst>
+  </p:timing>
 </p:sld>
 </file>
 
@@ -3523,13 +3590,16 @@
           <a:p>
             <a:r>
               <a:rPr lang="en-US" dirty="0" smtClean="0"/>
-              <a:t>OBB computed by using rotating calipers method [Toussaint 1983] to optimize 2 axes at a </a:t>
+              <a:t>Axis-aligned bounding</a:t>
             </a:r>
             <a:r>
               <a:rPr lang="en-US" dirty="0" smtClean="0"/>
-              <a:t>time</a:t>
-            </a:r>
-            <a:endParaRPr lang="en-US" dirty="0" smtClean="0"/>
+              <a:t> </a:t>
+            </a:r>
+            <a:r>
+              <a:rPr lang="en-US" dirty="0" smtClean="0"/>
+              <a:t>box sufficient</a:t>
+            </a:r>
           </a:p>
         </p:txBody>
       </p:sp>
@@ -3602,6 +3672,13 @@
   <p:clrMapOvr>
     <a:masterClrMapping/>
   </p:clrMapOvr>
+  <p:timing>
+    <p:tnLst>
+      <p:par>
+        <p:cTn id="1" dur="indefinite" restart="never" nodeType="tmRoot"/>
+      </p:par>
+    </p:tnLst>
+  </p:timing>
 </p:sld>
 </file>
 
@@ -3632,68 +3709,69 @@
             <p:ph type="title"/>
           </p:nvPr>
         </p:nvSpPr>
+        <p:spPr/>
+        <p:txBody>
+          <a:bodyPr/>
+          <a:lstStyle/>
+          <a:p>
+            <a:r>
+              <a:rPr lang="en-US" b="1" dirty="0" smtClean="0"/>
+              <a:t>f</a:t>
+            </a:r>
+            <a:r>
+              <a:rPr lang="en-US" b="1" baseline="-25000" dirty="0" smtClean="0"/>
+              <a:t>Util</a:t>
+            </a:r>
+            <a:endParaRPr lang="en-US" b="1" dirty="0"/>
+          </a:p>
+        </p:txBody>
+      </p:sp>
+      <p:sp>
+        <p:nvSpPr>
+          <p:cNvPr id="3" name="Content Placeholder 2"/>
+          <p:cNvSpPr>
+            <a:spLocks noGrp="1"/>
+          </p:cNvSpPr>
+          <p:nvPr>
+            <p:ph idx="1"/>
+          </p:nvPr>
+        </p:nvSpPr>
         <p:spPr>
           <a:xfrm>
-            <a:off x="990600" y="612775"/>
-            <a:ext cx="10515600" cy="892175"/>
+            <a:off x="838200" y="1863725"/>
+            <a:ext cx="10515600" cy="4351338"/>
           </a:xfrm>
         </p:spPr>
         <p:txBody>
-          <a:bodyPr>
-            <a:normAutofit/>
-          </a:bodyPr>
-          <a:lstStyle/>
-          <a:p>
-            <a:r>
-              <a:rPr lang="en-US" sz="2000" cap="small" dirty="0"/>
-              <a:t>T</a:t>
-            </a:r>
-            <a:r>
-              <a:rPr lang="en-US" sz="2000" cap="small" dirty="0" smtClean="0"/>
-              <a:t>oussant, G. 1983. </a:t>
-            </a:r>
-            <a:r>
-              <a:rPr lang="en-US" sz="2000" dirty="0" smtClean="0"/>
-              <a:t>Solving geometric problems with the Rotating Calipers. Proceedings of the IEEE </a:t>
-            </a:r>
-            <a:r>
-              <a:rPr lang="en-US" sz="2000" dirty="0" err="1" smtClean="0"/>
-              <a:t>Melecon</a:t>
-            </a:r>
-            <a:r>
-              <a:rPr lang="en-US" sz="2000" dirty="0" smtClean="0"/>
-              <a:t>. </a:t>
-            </a:r>
-            <a:r>
-              <a:rPr lang="en-US" sz="2000" dirty="0"/>
-              <a:t>Vol. </a:t>
-            </a:r>
-            <a:r>
-              <a:rPr lang="en-US" sz="2000" dirty="0" smtClean="0"/>
-              <a:t>83, </a:t>
-            </a:r>
-            <a:r>
-              <a:rPr lang="en-US" sz="2000" dirty="0"/>
-              <a:t>Article </a:t>
-            </a:r>
-            <a:r>
-              <a:rPr lang="en-US" sz="2000" dirty="0" smtClean="0"/>
-              <a:t>10.</a:t>
-            </a:r>
-            <a:endParaRPr lang="en-US" sz="2000" dirty="0"/>
+          <a:bodyPr/>
+          <a:lstStyle/>
+          <a:p>
+            <a:r>
+              <a:rPr lang="en-US" dirty="0" smtClean="0"/>
+              <a:t>Maximizes the use of the printing volume</a:t>
+            </a:r>
+          </a:p>
+          <a:p>
+            <a:r>
+              <a:rPr lang="en-US" dirty="0" smtClean="0"/>
+              <a:t>Compares volume of the partition to the volume of the printing volume to  ensure using printing volume efficiently</a:t>
+            </a:r>
+          </a:p>
+          <a:p>
+            <a:endParaRPr lang="en-US" dirty="0"/>
           </a:p>
         </p:txBody>
       </p:sp>
       <p:pic>
         <p:nvPicPr>
-          <p:cNvPr id="3" name="Picture 2"/>
+          <p:cNvPr id="4" name="Picture 3"/>
           <p:cNvPicPr>
             <a:picLocks noChangeAspect="1"/>
           </p:cNvPicPr>
           <p:nvPr/>
         </p:nvPicPr>
         <p:blipFill>
-          <a:blip r:embed="rId2">
+          <a:blip r:embed="rId2" cstate="print">
             <a:extLst>
               <a:ext uri="{28A0092B-C50C-407E-A947-70E740481C1C}">
                 <a14:useLocalDpi xmlns:a14="http://schemas.microsoft.com/office/drawing/2010/main" val="0"/>
@@ -3706,38 +3784,8 @@
         </p:blipFill>
         <p:spPr>
           <a:xfrm>
-            <a:off x="144579" y="1847850"/>
-            <a:ext cx="7761171" cy="3272433"/>
-          </a:xfrm>
-          <a:prstGeom prst="rect">
-            <a:avLst/>
-          </a:prstGeom>
-        </p:spPr>
-      </p:pic>
-      <p:pic>
-        <p:nvPicPr>
-          <p:cNvPr id="4" name="Picture 3"/>
-          <p:cNvPicPr>
-            <a:picLocks noChangeAspect="1"/>
-          </p:cNvPicPr>
-          <p:nvPr/>
-        </p:nvPicPr>
-        <p:blipFill>
-          <a:blip r:embed="rId3">
-            <a:extLst>
-              <a:ext uri="{28A0092B-C50C-407E-A947-70E740481C1C}">
-                <a14:useLocalDpi xmlns:a14="http://schemas.microsoft.com/office/drawing/2010/main" val="0"/>
-              </a:ext>
-            </a:extLst>
-          </a:blip>
-          <a:stretch>
-            <a:fillRect/>
-          </a:stretch>
-        </p:blipFill>
-        <p:spPr>
-          <a:xfrm>
-            <a:off x="8696325" y="2329408"/>
-            <a:ext cx="3495675" cy="2639185"/>
+            <a:off x="6665589" y="3335481"/>
+            <a:ext cx="3268199" cy="3356264"/>
           </a:xfrm>
           <a:prstGeom prst="rect">
             <a:avLst/>
@@ -3747,17 +3795,128 @@
     </p:spTree>
     <p:extLst>
       <p:ext uri="{BB962C8B-B14F-4D97-AF65-F5344CB8AC3E}">
-        <p14:creationId xmlns:p14="http://schemas.microsoft.com/office/powerpoint/2010/main" val="4071183042"/>
+        <p14:creationId xmlns:p14="http://schemas.microsoft.com/office/powerpoint/2010/main" val="4246218666"/>
       </p:ext>
     </p:extLst>
   </p:cSld>
   <p:clrMapOvr>
     <a:masterClrMapping/>
   </p:clrMapOvr>
+  <p:timing>
+    <p:tnLst>
+      <p:par>
+        <p:cTn id="1" dur="indefinite" restart="never" nodeType="tmRoot"/>
+      </p:par>
+    </p:tnLst>
+  </p:timing>
 </p:sld>
 </file>
 
 <file path=ppt/slides/slide15.xml><?xml version="1.0" encoding="utf-8"?>
+<p:sld xmlns:a="http://schemas.openxmlformats.org/drawingml/2006/main" xmlns:r="http://schemas.openxmlformats.org/officeDocument/2006/relationships" xmlns:p="http://schemas.openxmlformats.org/presentationml/2006/main">
+  <p:cSld>
+    <p:spTree>
+      <p:nvGrpSpPr>
+        <p:cNvPr id="1" name=""/>
+        <p:cNvGrpSpPr/>
+        <p:nvPr/>
+      </p:nvGrpSpPr>
+      <p:grpSpPr>
+        <a:xfrm>
+          <a:off x="0" y="0"/>
+          <a:ext cx="0" cy="0"/>
+          <a:chOff x="0" y="0"/>
+          <a:chExt cx="0" cy="0"/>
+        </a:xfrm>
+      </p:grpSpPr>
+      <p:sp>
+        <p:nvSpPr>
+          <p:cNvPr id="2" name="Title 1"/>
+          <p:cNvSpPr>
+            <a:spLocks noGrp="1"/>
+          </p:cNvSpPr>
+          <p:nvPr>
+            <p:ph type="title"/>
+          </p:nvPr>
+        </p:nvSpPr>
+        <p:spPr/>
+        <p:txBody>
+          <a:bodyPr/>
+          <a:lstStyle/>
+          <a:p>
+            <a:r>
+              <a:rPr lang="en-US" b="1" dirty="0" smtClean="0"/>
+              <a:t>f</a:t>
+            </a:r>
+            <a:r>
+              <a:rPr lang="en-US" b="1" baseline="-25000" dirty="0" smtClean="0"/>
+              <a:t>Connector</a:t>
+            </a:r>
+            <a:endParaRPr lang="en-US" b="1" dirty="0"/>
+          </a:p>
+        </p:txBody>
+      </p:sp>
+      <p:sp>
+        <p:nvSpPr>
+          <p:cNvPr id="3" name="Content Placeholder 2"/>
+          <p:cNvSpPr>
+            <a:spLocks noGrp="1"/>
+          </p:cNvSpPr>
+          <p:nvPr>
+            <p:ph idx="1"/>
+          </p:nvPr>
+        </p:nvSpPr>
+        <p:spPr/>
+        <p:txBody>
+          <a:bodyPr/>
+          <a:lstStyle/>
+          <a:p>
+            <a:r>
+              <a:rPr lang="en-US" dirty="0" smtClean="0"/>
+              <a:t>Maximizes quality of connector placement</a:t>
+            </a:r>
+          </a:p>
+          <a:p>
+            <a:r>
+              <a:rPr lang="en-US" dirty="0" smtClean="0"/>
+              <a:t>Convex hull is created around the possible connector locations</a:t>
+            </a:r>
+          </a:p>
+          <a:p>
+            <a:r>
+              <a:rPr lang="en-US" dirty="0" smtClean="0"/>
+              <a:t>Compares area of connector to area of the convex hull to ensure that connector can be placed in that cross section</a:t>
+            </a:r>
+          </a:p>
+          <a:p>
+            <a:endParaRPr lang="en-US" dirty="0" smtClean="0"/>
+          </a:p>
+          <a:p>
+            <a:endParaRPr lang="en-US" dirty="0"/>
+          </a:p>
+        </p:txBody>
+      </p:sp>
+    </p:spTree>
+    <p:extLst>
+      <p:ext uri="{BB962C8B-B14F-4D97-AF65-F5344CB8AC3E}">
+        <p14:creationId xmlns:p14="http://schemas.microsoft.com/office/powerpoint/2010/main" val="759219083"/>
+      </p:ext>
+    </p:extLst>
+  </p:cSld>
+  <p:clrMapOvr>
+    <a:masterClrMapping/>
+  </p:clrMapOvr>
+  <p:timing>
+    <p:tnLst>
+      <p:par>
+        <p:cTn id="1" dur="indefinite" restart="never" nodeType="tmRoot"/>
+      </p:par>
+    </p:tnLst>
+  </p:timing>
+</p:sld>
+</file>
+
+<file path=ppt/slides/slide16.xml><?xml version="1.0" encoding="utf-8"?>
 <p:sld xmlns:a="http://schemas.openxmlformats.org/drawingml/2006/main" xmlns:r="http://schemas.openxmlformats.org/officeDocument/2006/relationships" xmlns:p="http://schemas.openxmlformats.org/presentationml/2006/main">
   <p:cSld>
     <p:spTree>
@@ -3919,129 +4078,6 @@
 </p:sld>
 </file>
 
-<file path=ppt/slides/slide16.xml><?xml version="1.0" encoding="utf-8"?>
-<p:sld xmlns:a="http://schemas.openxmlformats.org/drawingml/2006/main" xmlns:r="http://schemas.openxmlformats.org/officeDocument/2006/relationships" xmlns:p="http://schemas.openxmlformats.org/presentationml/2006/main">
-  <p:cSld>
-    <p:spTree>
-      <p:nvGrpSpPr>
-        <p:cNvPr id="1" name=""/>
-        <p:cNvGrpSpPr/>
-        <p:nvPr/>
-      </p:nvGrpSpPr>
-      <p:grpSpPr>
-        <a:xfrm>
-          <a:off x="0" y="0"/>
-          <a:ext cx="0" cy="0"/>
-          <a:chOff x="0" y="0"/>
-          <a:chExt cx="0" cy="0"/>
-        </a:xfrm>
-      </p:grpSpPr>
-      <p:sp>
-        <p:nvSpPr>
-          <p:cNvPr id="2" name="Title 1"/>
-          <p:cNvSpPr>
-            <a:spLocks noGrp="1"/>
-          </p:cNvSpPr>
-          <p:nvPr>
-            <p:ph type="title"/>
-          </p:nvPr>
-        </p:nvSpPr>
-        <p:spPr/>
-        <p:txBody>
-          <a:bodyPr/>
-          <a:lstStyle/>
-          <a:p>
-            <a:r>
-              <a:rPr lang="en-US" b="1" dirty="0" smtClean="0"/>
-              <a:t>f</a:t>
-            </a:r>
-            <a:r>
-              <a:rPr lang="en-US" b="1" baseline="-25000" dirty="0" smtClean="0"/>
-              <a:t>Util</a:t>
-            </a:r>
-            <a:endParaRPr lang="en-US" b="1" dirty="0"/>
-          </a:p>
-        </p:txBody>
-      </p:sp>
-      <p:sp>
-        <p:nvSpPr>
-          <p:cNvPr id="3" name="Content Placeholder 2"/>
-          <p:cNvSpPr>
-            <a:spLocks noGrp="1"/>
-          </p:cNvSpPr>
-          <p:nvPr>
-            <p:ph idx="1"/>
-          </p:nvPr>
-        </p:nvSpPr>
-        <p:spPr>
-          <a:xfrm>
-            <a:off x="838200" y="1863725"/>
-            <a:ext cx="10515600" cy="4351338"/>
-          </a:xfrm>
-        </p:spPr>
-        <p:txBody>
-          <a:bodyPr/>
-          <a:lstStyle/>
-          <a:p>
-            <a:r>
-              <a:rPr lang="en-US" dirty="0" smtClean="0"/>
-              <a:t>Maximizes the use of the printing volume</a:t>
-            </a:r>
-          </a:p>
-          <a:p>
-            <a:r>
-              <a:rPr lang="en-US" dirty="0" smtClean="0"/>
-              <a:t>Compares volume of the partition to the volume of the printing volume to  ensure using printing volume efficiently</a:t>
-            </a:r>
-          </a:p>
-          <a:p>
-            <a:endParaRPr lang="en-US" dirty="0"/>
-          </a:p>
-        </p:txBody>
-      </p:sp>
-      <p:pic>
-        <p:nvPicPr>
-          <p:cNvPr id="4" name="Picture 3"/>
-          <p:cNvPicPr>
-            <a:picLocks noChangeAspect="1"/>
-          </p:cNvPicPr>
-          <p:nvPr/>
-        </p:nvPicPr>
-        <p:blipFill>
-          <a:blip r:embed="rId2" cstate="print">
-            <a:extLst>
-              <a:ext uri="{28A0092B-C50C-407E-A947-70E740481C1C}">
-                <a14:useLocalDpi xmlns:a14="http://schemas.microsoft.com/office/drawing/2010/main" val="0"/>
-              </a:ext>
-            </a:extLst>
-          </a:blip>
-          <a:stretch>
-            <a:fillRect/>
-          </a:stretch>
-        </p:blipFill>
-        <p:spPr>
-          <a:xfrm>
-            <a:off x="6665589" y="3335481"/>
-            <a:ext cx="3268199" cy="3356264"/>
-          </a:xfrm>
-          <a:prstGeom prst="rect">
-            <a:avLst/>
-          </a:prstGeom>
-        </p:spPr>
-      </p:pic>
-    </p:spTree>
-    <p:extLst>
-      <p:ext uri="{BB962C8B-B14F-4D97-AF65-F5344CB8AC3E}">
-        <p14:creationId xmlns:p14="http://schemas.microsoft.com/office/powerpoint/2010/main" val="4246218666"/>
-      </p:ext>
-    </p:extLst>
-  </p:cSld>
-  <p:clrMapOvr>
-    <a:masterClrMapping/>
-  </p:clrMapOvr>
-</p:sld>
-</file>
-
 <file path=ppt/slides/slide17.xml><?xml version="1.0" encoding="utf-8"?>
 <p:sld xmlns:a="http://schemas.openxmlformats.org/drawingml/2006/main" xmlns:r="http://schemas.openxmlformats.org/officeDocument/2006/relationships" xmlns:p="http://schemas.openxmlformats.org/presentationml/2006/main">
   <p:cSld>
@@ -4076,11 +4112,7 @@
           <a:p>
             <a:r>
               <a:rPr lang="en-US" b="1" dirty="0" smtClean="0"/>
-              <a:t>f</a:t>
-            </a:r>
-            <a:r>
-              <a:rPr lang="en-US" b="1" baseline="-25000" dirty="0" smtClean="0"/>
-              <a:t>Connector</a:t>
+              <a:t>Results</a:t>
             </a:r>
             <a:endParaRPr lang="en-US" b="1" dirty="0"/>
           </a:p>
@@ -4101,35 +4133,159 @@
           <a:bodyPr/>
           <a:lstStyle/>
           <a:p>
-            <a:r>
-              <a:rPr lang="en-US" dirty="0" smtClean="0"/>
-              <a:t>Maximizes quality of connector placement</a:t>
-            </a:r>
-          </a:p>
-          <a:p>
-            <a:r>
-              <a:rPr lang="en-US" dirty="0" smtClean="0"/>
-              <a:t>Convex hull is created around the possible connector locations</a:t>
-            </a:r>
-          </a:p>
-          <a:p>
-            <a:r>
-              <a:rPr lang="en-US" dirty="0" smtClean="0"/>
-              <a:t>Compares area of connector to area of the convex hull to ensure that connector can be placed in that cross section</a:t>
-            </a:r>
-          </a:p>
-          <a:p>
-            <a:endParaRPr lang="en-US" dirty="0" smtClean="0"/>
-          </a:p>
-          <a:p>
-            <a:endParaRPr lang="en-US" dirty="0"/>
+            <a:endParaRPr lang="en-US"/>
           </a:p>
         </p:txBody>
       </p:sp>
     </p:spTree>
     <p:extLst>
       <p:ext uri="{BB962C8B-B14F-4D97-AF65-F5344CB8AC3E}">
-        <p14:creationId xmlns:p14="http://schemas.microsoft.com/office/powerpoint/2010/main" val="759219083"/>
+        <p14:creationId xmlns:p14="http://schemas.microsoft.com/office/powerpoint/2010/main" val="93572732"/>
+      </p:ext>
+    </p:extLst>
+  </p:cSld>
+  <p:clrMapOvr>
+    <a:masterClrMapping/>
+  </p:clrMapOvr>
+</p:sld>
+</file>
+
+<file path=ppt/slides/slide18.xml><?xml version="1.0" encoding="utf-8"?>
+<p:sld xmlns:a="http://schemas.openxmlformats.org/drawingml/2006/main" xmlns:r="http://schemas.openxmlformats.org/officeDocument/2006/relationships" xmlns:p="http://schemas.openxmlformats.org/presentationml/2006/main">
+  <p:cSld>
+    <p:spTree>
+      <p:nvGrpSpPr>
+        <p:cNvPr id="1" name=""/>
+        <p:cNvGrpSpPr/>
+        <p:nvPr/>
+      </p:nvGrpSpPr>
+      <p:grpSpPr>
+        <a:xfrm>
+          <a:off x="0" y="0"/>
+          <a:ext cx="0" cy="0"/>
+          <a:chOff x="0" y="0"/>
+          <a:chExt cx="0" cy="0"/>
+        </a:xfrm>
+      </p:grpSpPr>
+      <p:sp>
+        <p:nvSpPr>
+          <p:cNvPr id="2" name="Title 1"/>
+          <p:cNvSpPr>
+            <a:spLocks noGrp="1"/>
+          </p:cNvSpPr>
+          <p:nvPr>
+            <p:ph type="title"/>
+          </p:nvPr>
+        </p:nvSpPr>
+        <p:spPr/>
+        <p:txBody>
+          <a:bodyPr/>
+          <a:lstStyle/>
+          <a:p>
+            <a:r>
+              <a:rPr lang="en-US" b="1" dirty="0" smtClean="0"/>
+              <a:t>Future Work</a:t>
+            </a:r>
+            <a:endParaRPr lang="en-US" b="1" dirty="0"/>
+          </a:p>
+        </p:txBody>
+      </p:sp>
+      <p:sp>
+        <p:nvSpPr>
+          <p:cNvPr id="3" name="Content Placeholder 2"/>
+          <p:cNvSpPr>
+            <a:spLocks noGrp="1"/>
+          </p:cNvSpPr>
+          <p:nvPr>
+            <p:ph idx="1"/>
+          </p:nvPr>
+        </p:nvSpPr>
+        <p:spPr/>
+        <p:txBody>
+          <a:bodyPr/>
+          <a:lstStyle/>
+          <a:p>
+            <a:r>
+              <a:rPr lang="en-US" dirty="0" smtClean="0"/>
+              <a:t>Triangulation</a:t>
+            </a:r>
+          </a:p>
+          <a:p>
+            <a:r>
+              <a:rPr lang="en-US" dirty="0" smtClean="0"/>
+              <a:t>f</a:t>
+            </a:r>
+            <a:r>
+              <a:rPr lang="en-US" baseline="-25000" dirty="0" smtClean="0"/>
+              <a:t>Connector</a:t>
+            </a:r>
+          </a:p>
+          <a:p>
+            <a:r>
+              <a:rPr lang="en-US" dirty="0" smtClean="0"/>
+              <a:t>Optimize/parallelize beam search</a:t>
+            </a:r>
+            <a:endParaRPr lang="en-US" dirty="0"/>
+          </a:p>
+        </p:txBody>
+      </p:sp>
+    </p:spTree>
+    <p:extLst>
+      <p:ext uri="{BB962C8B-B14F-4D97-AF65-F5344CB8AC3E}">
+        <p14:creationId xmlns:p14="http://schemas.microsoft.com/office/powerpoint/2010/main" val="2134625956"/>
+      </p:ext>
+    </p:extLst>
+  </p:cSld>
+  <p:clrMapOvr>
+    <a:masterClrMapping/>
+  </p:clrMapOvr>
+</p:sld>
+</file>
+
+<file path=ppt/slides/slide19.xml><?xml version="1.0" encoding="utf-8"?>
+<p:sld xmlns:a="http://schemas.openxmlformats.org/drawingml/2006/main" xmlns:r="http://schemas.openxmlformats.org/officeDocument/2006/relationships" xmlns:p="http://schemas.openxmlformats.org/presentationml/2006/main">
+  <p:cSld>
+    <p:spTree>
+      <p:nvGrpSpPr>
+        <p:cNvPr id="1" name=""/>
+        <p:cNvGrpSpPr/>
+        <p:nvPr/>
+      </p:nvGrpSpPr>
+      <p:grpSpPr>
+        <a:xfrm>
+          <a:off x="0" y="0"/>
+          <a:ext cx="0" cy="0"/>
+          <a:chOff x="0" y="0"/>
+          <a:chExt cx="0" cy="0"/>
+        </a:xfrm>
+      </p:grpSpPr>
+      <p:sp>
+        <p:nvSpPr>
+          <p:cNvPr id="2" name="Title 1"/>
+          <p:cNvSpPr>
+            <a:spLocks noGrp="1"/>
+          </p:cNvSpPr>
+          <p:nvPr>
+            <p:ph type="title"/>
+          </p:nvPr>
+        </p:nvSpPr>
+        <p:spPr/>
+        <p:txBody>
+          <a:bodyPr/>
+          <a:lstStyle/>
+          <a:p>
+            <a:r>
+              <a:rPr lang="en-US" b="1" dirty="0" smtClean="0"/>
+              <a:t>Questions?</a:t>
+            </a:r>
+            <a:endParaRPr lang="en-US" b="1" dirty="0"/>
+          </a:p>
+        </p:txBody>
+      </p:sp>
+    </p:spTree>
+    <p:extLst>
+      <p:ext uri="{BB962C8B-B14F-4D97-AF65-F5344CB8AC3E}">
+        <p14:creationId xmlns:p14="http://schemas.microsoft.com/office/powerpoint/2010/main" val="1347353144"/>
       </p:ext>
     </p:extLst>
   </p:cSld>
@@ -4267,6 +4423,13 @@
   <p:clrMapOvr>
     <a:masterClrMapping/>
   </p:clrMapOvr>
+  <p:timing>
+    <p:tnLst>
+      <p:par>
+        <p:cTn id="1" dur="indefinite" restart="never" nodeType="tmRoot"/>
+      </p:par>
+    </p:tnLst>
+  </p:timing>
 </p:sld>
 </file>
 
@@ -4452,6 +4615,13 @@
   <p:clrMapOvr>
     <a:masterClrMapping/>
   </p:clrMapOvr>
+  <p:timing>
+    <p:tnLst>
+      <p:par>
+        <p:cTn id="1" dur="indefinite" restart="never" nodeType="tmRoot"/>
+      </p:par>
+    </p:tnLst>
+  </p:timing>
 </p:sld>
 </file>
 
@@ -4530,8 +4700,9 @@
           <a:p>
             <a:r>
               <a:rPr lang="en-US" dirty="0" smtClean="0"/>
-              <a:t>Oriented Bounding Box/Objective functions</a:t>
-            </a:r>
+              <a:t>Objective functions</a:t>
+            </a:r>
+            <a:endParaRPr lang="en-US" dirty="0" smtClean="0"/>
           </a:p>
         </p:txBody>
       </p:sp>
@@ -4545,6 +4716,13 @@
   <p:clrMapOvr>
     <a:masterClrMapping/>
   </p:clrMapOvr>
+  <p:timing>
+    <p:tnLst>
+      <p:par>
+        <p:cTn id="1" dur="indefinite" restart="never" nodeType="tmRoot"/>
+      </p:par>
+    </p:tnLst>
+  </p:timing>
 </p:sld>
 </file>
 
@@ -4650,6 +4828,13 @@
   <p:clrMapOvr>
     <a:masterClrMapping/>
   </p:clrMapOvr>
+  <p:timing>
+    <p:tnLst>
+      <p:par>
+        <p:cTn id="1" dur="indefinite" restart="never" nodeType="tmRoot"/>
+      </p:par>
+    </p:tnLst>
+  </p:timing>
 </p:sld>
 </file>
 
@@ -4803,6 +4988,13 @@
   <p:clrMapOvr>
     <a:masterClrMapping/>
   </p:clrMapOvr>
+  <p:timing>
+    <p:tnLst>
+      <p:par>
+        <p:cTn id="1" dur="indefinite" restart="never" nodeType="tmRoot"/>
+      </p:par>
+    </p:tnLst>
+  </p:timing>
 </p:sld>
 </file>
 
@@ -4956,6 +5148,13 @@
   <p:clrMapOvr>
     <a:masterClrMapping/>
   </p:clrMapOvr>
+  <p:timing>
+    <p:tnLst>
+      <p:par>
+        <p:cTn id="1" dur="indefinite" restart="never" nodeType="tmRoot"/>
+      </p:par>
+    </p:tnLst>
+  </p:timing>
 </p:sld>
 </file>
 
@@ -5069,6 +5268,13 @@
   <p:clrMapOvr>
     <a:masterClrMapping/>
   </p:clrMapOvr>
+  <p:timing>
+    <p:tnLst>
+      <p:par>
+        <p:cTn id="1" dur="indefinite" restart="never" nodeType="tmRoot"/>
+      </p:par>
+    </p:tnLst>
+  </p:timing>
 </p:sld>
 </file>
 
@@ -5152,6 +5358,13 @@
   <p:clrMapOvr>
     <a:masterClrMapping/>
   </p:clrMapOvr>
+  <p:timing>
+    <p:tnLst>
+      <p:par>
+        <p:cTn id="1" dur="indefinite" restart="never" nodeType="tmRoot"/>
+      </p:par>
+    </p:tnLst>
+  </p:timing>
 </p:sld>
 </file>
 

--- a/presentation/Presentation.pptx
+++ b/presentation/Presentation.pptx
@@ -3207,8 +3207,25 @@
             </a:r>
             <a:r>
               <a:rPr lang="en-US" dirty="0" smtClean="0"/>
-              <a:t>: Split the polygon into monotone pieces (polygon is monotone with respect to a straight line, L, if all orthogonal lines to L intersect the polygon at least once)</a:t>
-            </a:r>
+              <a:t>: Split the polygon into monotone pieces (polygon is monotone with respect to a straight line, L, if </a:t>
+            </a:r>
+            <a:r>
+              <a:rPr lang="en-US" dirty="0" smtClean="0"/>
+              <a:t>all lines perpendicular </a:t>
+            </a:r>
+            <a:r>
+              <a:rPr lang="en-US" dirty="0" smtClean="0"/>
+              <a:t>to L intersect </a:t>
+            </a:r>
+            <a:r>
+              <a:rPr lang="en-US" dirty="0" smtClean="0"/>
+              <a:t>at </a:t>
+            </a:r>
+            <a:r>
+              <a:rPr lang="en-US" smtClean="0"/>
+              <a:t>most twice)</a:t>
+            </a:r>
+            <a:endParaRPr lang="en-US" dirty="0" smtClean="0"/>
           </a:p>
           <a:p>
             <a:r>

--- a/presentation/Presentation.pptx
+++ b/presentation/Presentation.pptx
@@ -10,20 +10,22 @@
     <p:sldId id="259" r:id="rId4"/>
     <p:sldId id="262" r:id="rId5"/>
     <p:sldId id="263" r:id="rId6"/>
-    <p:sldId id="264" r:id="rId7"/>
-    <p:sldId id="265" r:id="rId8"/>
-    <p:sldId id="267" r:id="rId9"/>
-    <p:sldId id="268" r:id="rId10"/>
-    <p:sldId id="269" r:id="rId11"/>
-    <p:sldId id="270" r:id="rId12"/>
-    <p:sldId id="271" r:id="rId13"/>
-    <p:sldId id="272" r:id="rId14"/>
-    <p:sldId id="273" r:id="rId15"/>
-    <p:sldId id="274" r:id="rId16"/>
-    <p:sldId id="261" r:id="rId17"/>
-    <p:sldId id="275" r:id="rId18"/>
-    <p:sldId id="276" r:id="rId19"/>
-    <p:sldId id="277" r:id="rId20"/>
+    <p:sldId id="278" r:id="rId7"/>
+    <p:sldId id="264" r:id="rId8"/>
+    <p:sldId id="265" r:id="rId9"/>
+    <p:sldId id="267" r:id="rId10"/>
+    <p:sldId id="268" r:id="rId11"/>
+    <p:sldId id="269" r:id="rId12"/>
+    <p:sldId id="270" r:id="rId13"/>
+    <p:sldId id="279" r:id="rId14"/>
+    <p:sldId id="271" r:id="rId15"/>
+    <p:sldId id="272" r:id="rId16"/>
+    <p:sldId id="273" r:id="rId17"/>
+    <p:sldId id="274" r:id="rId18"/>
+    <p:sldId id="261" r:id="rId19"/>
+    <p:sldId id="275" r:id="rId20"/>
+    <p:sldId id="276" r:id="rId21"/>
+    <p:sldId id="277" r:id="rId22"/>
   </p:sldIdLst>
   <p:sldSz cx="12192000" cy="6858000"/>
   <p:notesSz cx="6858000" cy="9144000"/>
@@ -130,6 +132,10 @@
 </p:presentation>
 </file>
 
+<file path=ppt/revisionInfo.xml><?xml version="1.0" encoding="utf-8"?>
+<p1510:revInfo xmlns:a="http://schemas.openxmlformats.org/drawingml/2006/main" xmlns:r="http://schemas.openxmlformats.org/officeDocument/2006/relationships" xmlns:p1510="http://schemas.microsoft.com/office/powerpoint/2015/10/main"/>
+</file>
+
 <file path=ppt/slideLayouts/slideLayout1.xml><?xml version="1.0" encoding="utf-8"?>
 <p:sldLayout xmlns:a="http://schemas.openxmlformats.org/drawingml/2006/main" xmlns:r="http://schemas.openxmlformats.org/officeDocument/2006/relationships" xmlns:p="http://schemas.openxmlformats.org/presentationml/2006/main" type="title" preserve="1">
   <p:cSld name="Title Slide">
@@ -172,10 +178,9 @@
           </a:lstStyle>
           <a:p>
             <a:r>
-              <a:rPr lang="en-US" smtClean="0"/>
+              <a:rPr lang="en-US"/>
               <a:t>Click to edit Master title style</a:t>
             </a:r>
-            <a:endParaRPr lang="en-US"/>
           </a:p>
         </p:txBody>
       </p:sp>
@@ -237,10 +242,9 @@
           </a:lstStyle>
           <a:p>
             <a:r>
-              <a:rPr lang="en-US" smtClean="0"/>
+              <a:rPr lang="en-US"/>
               <a:t>Click to edit Master subtitle style</a:t>
             </a:r>
-            <a:endParaRPr lang="en-US"/>
           </a:p>
         </p:txBody>
       </p:sp>
@@ -261,7 +265,7 @@
           <a:p>
             <a:fld id="{DB4C0A30-6751-4588-90E6-B616D440D35D}" type="datetimeFigureOut">
               <a:rPr lang="en-US" smtClean="0"/>
-              <a:t>4/27/2017</a:t>
+              <a:t>4/28/2017</a:t>
             </a:fld>
             <a:endParaRPr lang="en-US"/>
           </a:p>
@@ -355,10 +359,9 @@
           <a:lstStyle/>
           <a:p>
             <a:r>
-              <a:rPr lang="en-US" smtClean="0"/>
+              <a:rPr lang="en-US"/>
               <a:t>Click to edit Master title style</a:t>
             </a:r>
-            <a:endParaRPr lang="en-US"/>
           </a:p>
         </p:txBody>
       </p:sp>
@@ -379,38 +382,37 @@
           <a:p>
             <a:pPr lvl="0"/>
             <a:r>
-              <a:rPr lang="en-US" smtClean="0"/>
+              <a:rPr lang="en-US"/>
               <a:t>Click to edit Master text styles</a:t>
             </a:r>
           </a:p>
           <a:p>
             <a:pPr lvl="1"/>
             <a:r>
-              <a:rPr lang="en-US" smtClean="0"/>
+              <a:rPr lang="en-US"/>
               <a:t>Second level</a:t>
             </a:r>
           </a:p>
           <a:p>
             <a:pPr lvl="2"/>
             <a:r>
-              <a:rPr lang="en-US" smtClean="0"/>
+              <a:rPr lang="en-US"/>
               <a:t>Third level</a:t>
             </a:r>
           </a:p>
           <a:p>
             <a:pPr lvl="3"/>
             <a:r>
-              <a:rPr lang="en-US" smtClean="0"/>
+              <a:rPr lang="en-US"/>
               <a:t>Fourth level</a:t>
             </a:r>
           </a:p>
           <a:p>
             <a:pPr lvl="4"/>
             <a:r>
-              <a:rPr lang="en-US" smtClean="0"/>
+              <a:rPr lang="en-US"/>
               <a:t>Fifth level</a:t>
             </a:r>
-            <a:endParaRPr lang="en-US"/>
           </a:p>
         </p:txBody>
       </p:sp>
@@ -431,7 +433,7 @@
           <a:p>
             <a:fld id="{DB4C0A30-6751-4588-90E6-B616D440D35D}" type="datetimeFigureOut">
               <a:rPr lang="en-US" smtClean="0"/>
-              <a:t>4/27/2017</a:t>
+              <a:t>4/28/2017</a:t>
             </a:fld>
             <a:endParaRPr lang="en-US"/>
           </a:p>
@@ -530,10 +532,9 @@
           <a:lstStyle/>
           <a:p>
             <a:r>
-              <a:rPr lang="en-US" smtClean="0"/>
+              <a:rPr lang="en-US"/>
               <a:t>Click to edit Master title style</a:t>
             </a:r>
-            <a:endParaRPr lang="en-US"/>
           </a:p>
         </p:txBody>
       </p:sp>
@@ -559,38 +560,37 @@
           <a:p>
             <a:pPr lvl="0"/>
             <a:r>
-              <a:rPr lang="en-US" smtClean="0"/>
+              <a:rPr lang="en-US"/>
               <a:t>Click to edit Master text styles</a:t>
             </a:r>
           </a:p>
           <a:p>
             <a:pPr lvl="1"/>
             <a:r>
-              <a:rPr lang="en-US" smtClean="0"/>
+              <a:rPr lang="en-US"/>
               <a:t>Second level</a:t>
             </a:r>
           </a:p>
           <a:p>
             <a:pPr lvl="2"/>
             <a:r>
-              <a:rPr lang="en-US" smtClean="0"/>
+              <a:rPr lang="en-US"/>
               <a:t>Third level</a:t>
             </a:r>
           </a:p>
           <a:p>
             <a:pPr lvl="3"/>
             <a:r>
-              <a:rPr lang="en-US" smtClean="0"/>
+              <a:rPr lang="en-US"/>
               <a:t>Fourth level</a:t>
             </a:r>
           </a:p>
           <a:p>
             <a:pPr lvl="4"/>
             <a:r>
-              <a:rPr lang="en-US" smtClean="0"/>
+              <a:rPr lang="en-US"/>
               <a:t>Fifth level</a:t>
             </a:r>
-            <a:endParaRPr lang="en-US"/>
           </a:p>
         </p:txBody>
       </p:sp>
@@ -611,7 +611,7 @@
           <a:p>
             <a:fld id="{DB4C0A30-6751-4588-90E6-B616D440D35D}" type="datetimeFigureOut">
               <a:rPr lang="en-US" smtClean="0"/>
-              <a:t>4/27/2017</a:t>
+              <a:t>4/28/2017</a:t>
             </a:fld>
             <a:endParaRPr lang="en-US"/>
           </a:p>
@@ -705,10 +705,9 @@
           <a:lstStyle/>
           <a:p>
             <a:r>
-              <a:rPr lang="en-US" smtClean="0"/>
+              <a:rPr lang="en-US"/>
               <a:t>Click to edit Master title style</a:t>
             </a:r>
-            <a:endParaRPr lang="en-US"/>
           </a:p>
         </p:txBody>
       </p:sp>
@@ -729,38 +728,37 @@
           <a:p>
             <a:pPr lvl="0"/>
             <a:r>
-              <a:rPr lang="en-US" smtClean="0"/>
+              <a:rPr lang="en-US"/>
               <a:t>Click to edit Master text styles</a:t>
             </a:r>
           </a:p>
           <a:p>
             <a:pPr lvl="1"/>
             <a:r>
-              <a:rPr lang="en-US" smtClean="0"/>
+              <a:rPr lang="en-US"/>
               <a:t>Second level</a:t>
             </a:r>
           </a:p>
           <a:p>
             <a:pPr lvl="2"/>
             <a:r>
-              <a:rPr lang="en-US" smtClean="0"/>
+              <a:rPr lang="en-US"/>
               <a:t>Third level</a:t>
             </a:r>
           </a:p>
           <a:p>
             <a:pPr lvl="3"/>
             <a:r>
-              <a:rPr lang="en-US" smtClean="0"/>
+              <a:rPr lang="en-US"/>
               <a:t>Fourth level</a:t>
             </a:r>
           </a:p>
           <a:p>
             <a:pPr lvl="4"/>
             <a:r>
-              <a:rPr lang="en-US" smtClean="0"/>
+              <a:rPr lang="en-US"/>
               <a:t>Fifth level</a:t>
             </a:r>
-            <a:endParaRPr lang="en-US"/>
           </a:p>
         </p:txBody>
       </p:sp>
@@ -781,7 +779,7 @@
           <a:p>
             <a:fld id="{DB4C0A30-6751-4588-90E6-B616D440D35D}" type="datetimeFigureOut">
               <a:rPr lang="en-US" smtClean="0"/>
-              <a:t>4/27/2017</a:t>
+              <a:t>4/28/2017</a:t>
             </a:fld>
             <a:endParaRPr lang="en-US"/>
           </a:p>
@@ -884,10 +882,9 @@
           </a:lstStyle>
           <a:p>
             <a:r>
-              <a:rPr lang="en-US" smtClean="0"/>
+              <a:rPr lang="en-US"/>
               <a:t>Click to edit Master title style</a:t>
             </a:r>
-            <a:endParaRPr lang="en-US"/>
           </a:p>
         </p:txBody>
       </p:sp>
@@ -1004,7 +1001,7 @@
           <a:p>
             <a:pPr lvl="0"/>
             <a:r>
-              <a:rPr lang="en-US" smtClean="0"/>
+              <a:rPr lang="en-US"/>
               <a:t>Click to edit Master text styles</a:t>
             </a:r>
           </a:p>
@@ -1027,7 +1024,7 @@
           <a:p>
             <a:fld id="{DB4C0A30-6751-4588-90E6-B616D440D35D}" type="datetimeFigureOut">
               <a:rPr lang="en-US" smtClean="0"/>
-              <a:t>4/27/2017</a:t>
+              <a:t>4/28/2017</a:t>
             </a:fld>
             <a:endParaRPr lang="en-US"/>
           </a:p>
@@ -1121,10 +1118,9 @@
           <a:lstStyle/>
           <a:p>
             <a:r>
-              <a:rPr lang="en-US" smtClean="0"/>
+              <a:rPr lang="en-US"/>
               <a:t>Click to edit Master title style</a:t>
             </a:r>
-            <a:endParaRPr lang="en-US"/>
           </a:p>
         </p:txBody>
       </p:sp>
@@ -1150,38 +1146,37 @@
           <a:p>
             <a:pPr lvl="0"/>
             <a:r>
-              <a:rPr lang="en-US" smtClean="0"/>
+              <a:rPr lang="en-US"/>
               <a:t>Click to edit Master text styles</a:t>
             </a:r>
           </a:p>
           <a:p>
             <a:pPr lvl="1"/>
             <a:r>
-              <a:rPr lang="en-US" smtClean="0"/>
+              <a:rPr lang="en-US"/>
               <a:t>Second level</a:t>
             </a:r>
           </a:p>
           <a:p>
             <a:pPr lvl="2"/>
             <a:r>
-              <a:rPr lang="en-US" smtClean="0"/>
+              <a:rPr lang="en-US"/>
               <a:t>Third level</a:t>
             </a:r>
           </a:p>
           <a:p>
             <a:pPr lvl="3"/>
             <a:r>
-              <a:rPr lang="en-US" smtClean="0"/>
+              <a:rPr lang="en-US"/>
               <a:t>Fourth level</a:t>
             </a:r>
           </a:p>
           <a:p>
             <a:pPr lvl="4"/>
             <a:r>
-              <a:rPr lang="en-US" smtClean="0"/>
+              <a:rPr lang="en-US"/>
               <a:t>Fifth level</a:t>
             </a:r>
-            <a:endParaRPr lang="en-US"/>
           </a:p>
         </p:txBody>
       </p:sp>
@@ -1207,38 +1202,37 @@
           <a:p>
             <a:pPr lvl="0"/>
             <a:r>
-              <a:rPr lang="en-US" smtClean="0"/>
+              <a:rPr lang="en-US"/>
               <a:t>Click to edit Master text styles</a:t>
             </a:r>
           </a:p>
           <a:p>
             <a:pPr lvl="1"/>
             <a:r>
-              <a:rPr lang="en-US" smtClean="0"/>
+              <a:rPr lang="en-US"/>
               <a:t>Second level</a:t>
             </a:r>
           </a:p>
           <a:p>
             <a:pPr lvl="2"/>
             <a:r>
-              <a:rPr lang="en-US" smtClean="0"/>
+              <a:rPr lang="en-US"/>
               <a:t>Third level</a:t>
             </a:r>
           </a:p>
           <a:p>
             <a:pPr lvl="3"/>
             <a:r>
-              <a:rPr lang="en-US" smtClean="0"/>
+              <a:rPr lang="en-US"/>
               <a:t>Fourth level</a:t>
             </a:r>
           </a:p>
           <a:p>
             <a:pPr lvl="4"/>
             <a:r>
-              <a:rPr lang="en-US" smtClean="0"/>
+              <a:rPr lang="en-US"/>
               <a:t>Fifth level</a:t>
             </a:r>
-            <a:endParaRPr lang="en-US"/>
           </a:p>
         </p:txBody>
       </p:sp>
@@ -1259,7 +1253,7 @@
           <a:p>
             <a:fld id="{DB4C0A30-6751-4588-90E6-B616D440D35D}" type="datetimeFigureOut">
               <a:rPr lang="en-US" smtClean="0"/>
-              <a:t>4/27/2017</a:t>
+              <a:t>4/28/2017</a:t>
             </a:fld>
             <a:endParaRPr lang="en-US"/>
           </a:p>
@@ -1358,10 +1352,9 @@
           <a:lstStyle/>
           <a:p>
             <a:r>
-              <a:rPr lang="en-US" smtClean="0"/>
+              <a:rPr lang="en-US"/>
               <a:t>Click to edit Master title style</a:t>
             </a:r>
-            <a:endParaRPr lang="en-US"/>
           </a:p>
         </p:txBody>
       </p:sp>
@@ -1424,7 +1417,7 @@
           <a:p>
             <a:pPr lvl="0"/>
             <a:r>
-              <a:rPr lang="en-US" smtClean="0"/>
+              <a:rPr lang="en-US"/>
               <a:t>Click to edit Master text styles</a:t>
             </a:r>
           </a:p>
@@ -1452,38 +1445,37 @@
           <a:p>
             <a:pPr lvl="0"/>
             <a:r>
-              <a:rPr lang="en-US" smtClean="0"/>
+              <a:rPr lang="en-US"/>
               <a:t>Click to edit Master text styles</a:t>
             </a:r>
           </a:p>
           <a:p>
             <a:pPr lvl="1"/>
             <a:r>
-              <a:rPr lang="en-US" smtClean="0"/>
+              <a:rPr lang="en-US"/>
               <a:t>Second level</a:t>
             </a:r>
           </a:p>
           <a:p>
             <a:pPr lvl="2"/>
             <a:r>
-              <a:rPr lang="en-US" smtClean="0"/>
+              <a:rPr lang="en-US"/>
               <a:t>Third level</a:t>
             </a:r>
           </a:p>
           <a:p>
             <a:pPr lvl="3"/>
             <a:r>
-              <a:rPr lang="en-US" smtClean="0"/>
+              <a:rPr lang="en-US"/>
               <a:t>Fourth level</a:t>
             </a:r>
           </a:p>
           <a:p>
             <a:pPr lvl="4"/>
             <a:r>
-              <a:rPr lang="en-US" smtClean="0"/>
+              <a:rPr lang="en-US"/>
               <a:t>Fifth level</a:t>
             </a:r>
-            <a:endParaRPr lang="en-US"/>
           </a:p>
         </p:txBody>
       </p:sp>
@@ -1546,7 +1538,7 @@
           <a:p>
             <a:pPr lvl="0"/>
             <a:r>
-              <a:rPr lang="en-US" smtClean="0"/>
+              <a:rPr lang="en-US"/>
               <a:t>Click to edit Master text styles</a:t>
             </a:r>
           </a:p>
@@ -1574,38 +1566,37 @@
           <a:p>
             <a:pPr lvl="0"/>
             <a:r>
-              <a:rPr lang="en-US" smtClean="0"/>
+              <a:rPr lang="en-US"/>
               <a:t>Click to edit Master text styles</a:t>
             </a:r>
           </a:p>
           <a:p>
             <a:pPr lvl="1"/>
             <a:r>
-              <a:rPr lang="en-US" smtClean="0"/>
+              <a:rPr lang="en-US"/>
               <a:t>Second level</a:t>
             </a:r>
           </a:p>
           <a:p>
             <a:pPr lvl="2"/>
             <a:r>
-              <a:rPr lang="en-US" smtClean="0"/>
+              <a:rPr lang="en-US"/>
               <a:t>Third level</a:t>
             </a:r>
           </a:p>
           <a:p>
             <a:pPr lvl="3"/>
             <a:r>
-              <a:rPr lang="en-US" smtClean="0"/>
+              <a:rPr lang="en-US"/>
               <a:t>Fourth level</a:t>
             </a:r>
           </a:p>
           <a:p>
             <a:pPr lvl="4"/>
             <a:r>
-              <a:rPr lang="en-US" smtClean="0"/>
+              <a:rPr lang="en-US"/>
               <a:t>Fifth level</a:t>
             </a:r>
-            <a:endParaRPr lang="en-US"/>
           </a:p>
         </p:txBody>
       </p:sp>
@@ -1626,7 +1617,7 @@
           <a:p>
             <a:fld id="{DB4C0A30-6751-4588-90E6-B616D440D35D}" type="datetimeFigureOut">
               <a:rPr lang="en-US" smtClean="0"/>
-              <a:t>4/27/2017</a:t>
+              <a:t>4/28/2017</a:t>
             </a:fld>
             <a:endParaRPr lang="en-US"/>
           </a:p>
@@ -1720,10 +1711,9 @@
           <a:lstStyle/>
           <a:p>
             <a:r>
-              <a:rPr lang="en-US" smtClean="0"/>
+              <a:rPr lang="en-US"/>
               <a:t>Click to edit Master title style</a:t>
             </a:r>
-            <a:endParaRPr lang="en-US"/>
           </a:p>
         </p:txBody>
       </p:sp>
@@ -1744,7 +1734,7 @@
           <a:p>
             <a:fld id="{DB4C0A30-6751-4588-90E6-B616D440D35D}" type="datetimeFigureOut">
               <a:rPr lang="en-US" smtClean="0"/>
-              <a:t>4/27/2017</a:t>
+              <a:t>4/28/2017</a:t>
             </a:fld>
             <a:endParaRPr lang="en-US"/>
           </a:p>
@@ -1839,7 +1829,7 @@
           <a:p>
             <a:fld id="{DB4C0A30-6751-4588-90E6-B616D440D35D}" type="datetimeFigureOut">
               <a:rPr lang="en-US" smtClean="0"/>
-              <a:t>4/27/2017</a:t>
+              <a:t>4/28/2017</a:t>
             </a:fld>
             <a:endParaRPr lang="en-US"/>
           </a:p>
@@ -1942,10 +1932,9 @@
           </a:lstStyle>
           <a:p>
             <a:r>
-              <a:rPr lang="en-US" smtClean="0"/>
+              <a:rPr lang="en-US"/>
               <a:t>Click to edit Master title style</a:t>
             </a:r>
-            <a:endParaRPr lang="en-US"/>
           </a:p>
         </p:txBody>
       </p:sp>
@@ -1999,38 +1988,37 @@
           <a:p>
             <a:pPr lvl="0"/>
             <a:r>
-              <a:rPr lang="en-US" smtClean="0"/>
+              <a:rPr lang="en-US"/>
               <a:t>Click to edit Master text styles</a:t>
             </a:r>
           </a:p>
           <a:p>
             <a:pPr lvl="1"/>
             <a:r>
-              <a:rPr lang="en-US" smtClean="0"/>
+              <a:rPr lang="en-US"/>
               <a:t>Second level</a:t>
             </a:r>
           </a:p>
           <a:p>
             <a:pPr lvl="2"/>
             <a:r>
-              <a:rPr lang="en-US" smtClean="0"/>
+              <a:rPr lang="en-US"/>
               <a:t>Third level</a:t>
             </a:r>
           </a:p>
           <a:p>
             <a:pPr lvl="3"/>
             <a:r>
-              <a:rPr lang="en-US" smtClean="0"/>
+              <a:rPr lang="en-US"/>
               <a:t>Fourth level</a:t>
             </a:r>
           </a:p>
           <a:p>
             <a:pPr lvl="4"/>
             <a:r>
-              <a:rPr lang="en-US" smtClean="0"/>
+              <a:rPr lang="en-US"/>
               <a:t>Fifth level</a:t>
             </a:r>
-            <a:endParaRPr lang="en-US"/>
           </a:p>
         </p:txBody>
       </p:sp>
@@ -2093,7 +2081,7 @@
           <a:p>
             <a:pPr lvl="0"/>
             <a:r>
-              <a:rPr lang="en-US" smtClean="0"/>
+              <a:rPr lang="en-US"/>
               <a:t>Click to edit Master text styles</a:t>
             </a:r>
           </a:p>
@@ -2116,7 +2104,7 @@
           <a:p>
             <a:fld id="{DB4C0A30-6751-4588-90E6-B616D440D35D}" type="datetimeFigureOut">
               <a:rPr lang="en-US" smtClean="0"/>
-              <a:t>4/27/2017</a:t>
+              <a:t>4/28/2017</a:t>
             </a:fld>
             <a:endParaRPr lang="en-US"/>
           </a:p>
@@ -2219,10 +2207,9 @@
           </a:lstStyle>
           <a:p>
             <a:r>
-              <a:rPr lang="en-US" smtClean="0"/>
+              <a:rPr lang="en-US"/>
               <a:t>Click to edit Master title style</a:t>
             </a:r>
-            <a:endParaRPr lang="en-US"/>
           </a:p>
         </p:txBody>
       </p:sp>
@@ -2346,7 +2333,7 @@
           <a:p>
             <a:pPr lvl="0"/>
             <a:r>
-              <a:rPr lang="en-US" smtClean="0"/>
+              <a:rPr lang="en-US"/>
               <a:t>Click to edit Master text styles</a:t>
             </a:r>
           </a:p>
@@ -2369,7 +2356,7 @@
           <a:p>
             <a:fld id="{DB4C0A30-6751-4588-90E6-B616D440D35D}" type="datetimeFigureOut">
               <a:rPr lang="en-US" smtClean="0"/>
-              <a:t>4/27/2017</a:t>
+              <a:t>4/28/2017</a:t>
             </a:fld>
             <a:endParaRPr lang="en-US"/>
           </a:p>
@@ -2478,10 +2465,9 @@
           <a:lstStyle/>
           <a:p>
             <a:r>
-              <a:rPr lang="en-US" smtClean="0"/>
+              <a:rPr lang="en-US"/>
               <a:t>Click to edit Master title style</a:t>
             </a:r>
-            <a:endParaRPr lang="en-US"/>
           </a:p>
         </p:txBody>
       </p:sp>
@@ -2512,38 +2498,37 @@
           <a:p>
             <a:pPr lvl="0"/>
             <a:r>
-              <a:rPr lang="en-US" smtClean="0"/>
+              <a:rPr lang="en-US"/>
               <a:t>Click to edit Master text styles</a:t>
             </a:r>
           </a:p>
           <a:p>
             <a:pPr lvl="1"/>
             <a:r>
-              <a:rPr lang="en-US" smtClean="0"/>
+              <a:rPr lang="en-US"/>
               <a:t>Second level</a:t>
             </a:r>
           </a:p>
           <a:p>
             <a:pPr lvl="2"/>
             <a:r>
-              <a:rPr lang="en-US" smtClean="0"/>
+              <a:rPr lang="en-US"/>
               <a:t>Third level</a:t>
             </a:r>
           </a:p>
           <a:p>
             <a:pPr lvl="3"/>
             <a:r>
-              <a:rPr lang="en-US" smtClean="0"/>
+              <a:rPr lang="en-US"/>
               <a:t>Fourth level</a:t>
             </a:r>
           </a:p>
           <a:p>
             <a:pPr lvl="4"/>
             <a:r>
-              <a:rPr lang="en-US" smtClean="0"/>
+              <a:rPr lang="en-US"/>
               <a:t>Fifth level</a:t>
             </a:r>
-            <a:endParaRPr lang="en-US"/>
           </a:p>
         </p:txBody>
       </p:sp>
@@ -2582,7 +2567,7 @@
           <a:p>
             <a:fld id="{DB4C0A30-6751-4588-90E6-B616D440D35D}" type="datetimeFigureOut">
               <a:rPr lang="en-US" smtClean="0"/>
-              <a:t>4/27/2017</a:t>
+              <a:t>4/28/2017</a:t>
             </a:fld>
             <a:endParaRPr lang="en-US"/>
           </a:p>
@@ -3003,10 +2988,9 @@
           <a:lstStyle/>
           <a:p>
             <a:r>
-              <a:rPr lang="en-US" b="1" dirty="0" smtClean="0"/>
+              <a:rPr lang="en-US" b="1" dirty="0"/>
               <a:t>Partitioning Large 3D Models for Use in 3D Printing</a:t>
             </a:r>
-            <a:endParaRPr lang="en-US" b="1" dirty="0"/>
           </a:p>
         </p:txBody>
       </p:sp>
@@ -3028,10 +3012,9 @@
           <a:lstStyle/>
           <a:p>
             <a:r>
-              <a:rPr lang="en-US" sz="2800" dirty="0" smtClean="0"/>
+              <a:rPr lang="en-US" sz="2800" dirty="0"/>
               <a:t>Jason Kraft &amp; Uyen Uong</a:t>
             </a:r>
-            <a:endParaRPr lang="en-US" sz="2800" dirty="0"/>
           </a:p>
         </p:txBody>
       </p:sp>
@@ -3105,13 +3088,6 @@
   <p:clrMapOvr>
     <a:masterClrMapping/>
   </p:clrMapOvr>
-  <p:timing>
-    <p:tnLst>
-      <p:par>
-        <p:cTn id="1" dur="indefinite" restart="never" nodeType="tmRoot"/>
-      </p:par>
-    </p:tnLst>
-  </p:timing>
 </p:sld>
 </file>
 
@@ -3148,10 +3124,91 @@
           <a:lstStyle/>
           <a:p>
             <a:r>
-              <a:rPr lang="en-US" b="1" dirty="0" smtClean="0"/>
+              <a:rPr lang="en-US" b="1" dirty="0"/>
+              <a:t>Open Mesh</a:t>
+            </a:r>
+          </a:p>
+        </p:txBody>
+      </p:sp>
+      <p:pic>
+        <p:nvPicPr>
+          <p:cNvPr id="3" name="Picture 2"/>
+          <p:cNvPicPr>
+            <a:picLocks noChangeAspect="1"/>
+          </p:cNvPicPr>
+          <p:nvPr/>
+        </p:nvPicPr>
+        <p:blipFill>
+          <a:blip r:embed="rId2">
+            <a:extLst>
+              <a:ext uri="{28A0092B-C50C-407E-A947-70E740481C1C}">
+                <a14:useLocalDpi xmlns:a14="http://schemas.microsoft.com/office/drawing/2010/main" val="0"/>
+              </a:ext>
+            </a:extLst>
+          </a:blip>
+          <a:stretch>
+            <a:fillRect/>
+          </a:stretch>
+        </p:blipFill>
+        <p:spPr>
+          <a:xfrm>
+            <a:off x="3714750" y="1538288"/>
+            <a:ext cx="4762500" cy="5029200"/>
+          </a:xfrm>
+          <a:prstGeom prst="rect">
+            <a:avLst/>
+          </a:prstGeom>
+        </p:spPr>
+      </p:pic>
+    </p:spTree>
+    <p:extLst>
+      <p:ext uri="{BB962C8B-B14F-4D97-AF65-F5344CB8AC3E}">
+        <p14:creationId xmlns:p14="http://schemas.microsoft.com/office/powerpoint/2010/main" val="4137628414"/>
+      </p:ext>
+    </p:extLst>
+  </p:cSld>
+  <p:clrMapOvr>
+    <a:masterClrMapping/>
+  </p:clrMapOvr>
+</p:sld>
+</file>
+
+<file path=ppt/slides/slide11.xml><?xml version="1.0" encoding="utf-8"?>
+<p:sld xmlns:a="http://schemas.openxmlformats.org/drawingml/2006/main" xmlns:r="http://schemas.openxmlformats.org/officeDocument/2006/relationships" xmlns:p="http://schemas.openxmlformats.org/presentationml/2006/main">
+  <p:cSld>
+    <p:spTree>
+      <p:nvGrpSpPr>
+        <p:cNvPr id="1" name=""/>
+        <p:cNvGrpSpPr/>
+        <p:nvPr/>
+      </p:nvGrpSpPr>
+      <p:grpSpPr>
+        <a:xfrm>
+          <a:off x="0" y="0"/>
+          <a:ext cx="0" cy="0"/>
+          <a:chOff x="0" y="0"/>
+          <a:chExt cx="0" cy="0"/>
+        </a:xfrm>
+      </p:grpSpPr>
+      <p:sp>
+        <p:nvSpPr>
+          <p:cNvPr id="2" name="Title 1"/>
+          <p:cNvSpPr>
+            <a:spLocks noGrp="1"/>
+          </p:cNvSpPr>
+          <p:nvPr>
+            <p:ph type="title"/>
+          </p:nvPr>
+        </p:nvSpPr>
+        <p:spPr/>
+        <p:txBody>
+          <a:bodyPr/>
+          <a:lstStyle/>
+          <a:p>
+            <a:r>
+              <a:rPr lang="en-US" b="1" dirty="0"/>
               <a:t>Closing the Mesh - Triangulation</a:t>
             </a:r>
-            <a:endParaRPr lang="en-US" b="1" dirty="0"/>
           </a:p>
         </p:txBody>
       </p:sp>
@@ -3178,75 +3235,57 @@
           <a:lstStyle/>
           <a:p>
             <a:r>
-              <a:rPr lang="en-US" dirty="0" smtClean="0"/>
+              <a:rPr lang="en-US" dirty="0"/>
               <a:t>Given an open mesh, need to close it along the cutting plane</a:t>
             </a:r>
           </a:p>
           <a:p>
             <a:r>
-              <a:rPr lang="en-US" dirty="0" smtClean="0"/>
+              <a:rPr lang="en-US" dirty="0"/>
               <a:t>1</a:t>
             </a:r>
             <a:r>
-              <a:rPr lang="en-US" baseline="30000" dirty="0" smtClean="0"/>
+              <a:rPr lang="en-US" baseline="30000" dirty="0"/>
               <a:t>st</a:t>
             </a:r>
             <a:r>
-              <a:rPr lang="en-US" dirty="0" smtClean="0"/>
+              <a:rPr lang="en-US" dirty="0"/>
               <a:t>: Project the points along the boundary onto cutting plane </a:t>
             </a:r>
           </a:p>
           <a:p>
             <a:r>
-              <a:rPr lang="en-US" dirty="0" smtClean="0"/>
+              <a:rPr lang="en-US" dirty="0"/>
               <a:t>2</a:t>
             </a:r>
             <a:r>
-              <a:rPr lang="en-US" baseline="30000" dirty="0" smtClean="0"/>
+              <a:rPr lang="en-US" baseline="30000" dirty="0"/>
               <a:t>nd</a:t>
             </a:r>
             <a:r>
-              <a:rPr lang="en-US" dirty="0" smtClean="0"/>
-              <a:t>: Split the polygon into monotone pieces (polygon is monotone with respect to a straight line, L, if </a:t>
-            </a:r>
-            <a:r>
-              <a:rPr lang="en-US" dirty="0" smtClean="0"/>
-              <a:t>all lines perpendicular </a:t>
-            </a:r>
-            <a:r>
-              <a:rPr lang="en-US" dirty="0" smtClean="0"/>
-              <a:t>to L intersect </a:t>
-            </a:r>
-            <a:r>
-              <a:rPr lang="en-US" dirty="0" smtClean="0"/>
-              <a:t>at </a:t>
-            </a:r>
-            <a:r>
-              <a:rPr lang="en-US" smtClean="0"/>
-              <a:t>most twice)</a:t>
-            </a:r>
-            <a:endParaRPr lang="en-US" dirty="0" smtClean="0"/>
-          </a:p>
-          <a:p>
-            <a:r>
-              <a:rPr lang="en-US" dirty="0" smtClean="0"/>
+              <a:rPr lang="en-US" dirty="0"/>
+              <a:t>: Split the polygon into monotone pieces (polygon is monotone with respect to a straight line, L, if all lines perpendicular to L intersect at most twice)</a:t>
+            </a:r>
+          </a:p>
+          <a:p>
+            <a:r>
+              <a:rPr lang="en-US" dirty="0"/>
               <a:t>3</a:t>
             </a:r>
             <a:r>
-              <a:rPr lang="en-US" baseline="30000" dirty="0" smtClean="0"/>
+              <a:rPr lang="en-US" baseline="30000" dirty="0"/>
               <a:t>rd</a:t>
             </a:r>
             <a:r>
-              <a:rPr lang="en-US" dirty="0" smtClean="0"/>
+              <a:rPr lang="en-US" dirty="0"/>
               <a:t>: Triangulate the monotone polygons</a:t>
             </a:r>
           </a:p>
           <a:p>
             <a:r>
-              <a:rPr lang="en-US" dirty="0" smtClean="0"/>
+              <a:rPr lang="en-US" dirty="0"/>
               <a:t>But not a priority</a:t>
             </a:r>
-            <a:endParaRPr lang="en-US" dirty="0"/>
           </a:p>
         </p:txBody>
       </p:sp>
@@ -3280,6 +3319,42 @@
           </a:prstGeom>
         </p:spPr>
       </p:pic>
+      <p:sp>
+        <p:nvSpPr>
+          <p:cNvPr id="5" name="TextBox 4"/>
+          <p:cNvSpPr txBox="1"/>
+          <p:nvPr/>
+        </p:nvSpPr>
+        <p:spPr>
+          <a:xfrm>
+            <a:off x="6234563" y="6180232"/>
+            <a:ext cx="5268173" cy="338554"/>
+          </a:xfrm>
+          <a:prstGeom prst="rect">
+            <a:avLst/>
+          </a:prstGeom>
+          <a:noFill/>
+        </p:spPr>
+        <p:txBody>
+          <a:bodyPr wrap="none" rtlCol="0">
+            <a:spAutoFit/>
+          </a:bodyPr>
+          <a:lstStyle/>
+          <a:p>
+            <a:r>
+              <a:rPr lang="en-US" sz="1600" dirty="0"/>
+              <a:t>Image from </a:t>
+            </a:r>
+            <a:r>
+              <a:rPr lang="en-US" sz="1600" dirty="0">
+                <a:hlinkClick r:id="rId3"/>
+              </a:rPr>
+              <a:t>https://en.wikipedia.org/wiki/File:M-polygon.svg</a:t>
+            </a:r>
+            <a:endParaRPr lang="en-US" sz="1600" dirty="0"/>
+          </a:p>
+        </p:txBody>
+      </p:sp>
     </p:spTree>
     <p:extLst>
       <p:ext uri="{BB962C8B-B14F-4D97-AF65-F5344CB8AC3E}">
@@ -3290,130 +3365,6 @@
   <p:clrMapOvr>
     <a:masterClrMapping/>
   </p:clrMapOvr>
-  <p:timing>
-    <p:tnLst>
-      <p:par>
-        <p:cTn id="1" dur="indefinite" restart="never" nodeType="tmRoot"/>
-      </p:par>
-    </p:tnLst>
-  </p:timing>
-</p:sld>
-</file>
-
-<file path=ppt/slides/slide11.xml><?xml version="1.0" encoding="utf-8"?>
-<p:sld xmlns:a="http://schemas.openxmlformats.org/drawingml/2006/main" xmlns:r="http://schemas.openxmlformats.org/officeDocument/2006/relationships" xmlns:p="http://schemas.openxmlformats.org/presentationml/2006/main">
-  <p:cSld>
-    <p:spTree>
-      <p:nvGrpSpPr>
-        <p:cNvPr id="1" name=""/>
-        <p:cNvGrpSpPr/>
-        <p:nvPr/>
-      </p:nvGrpSpPr>
-      <p:grpSpPr>
-        <a:xfrm>
-          <a:off x="0" y="0"/>
-          <a:ext cx="0" cy="0"/>
-          <a:chOff x="0" y="0"/>
-          <a:chExt cx="0" cy="0"/>
-        </a:xfrm>
-      </p:grpSpPr>
-      <p:sp>
-        <p:nvSpPr>
-          <p:cNvPr id="2" name="Title 1"/>
-          <p:cNvSpPr>
-            <a:spLocks noGrp="1"/>
-          </p:cNvSpPr>
-          <p:nvPr>
-            <p:ph type="title"/>
-          </p:nvPr>
-        </p:nvSpPr>
-        <p:spPr/>
-        <p:txBody>
-          <a:bodyPr/>
-          <a:lstStyle/>
-          <a:p>
-            <a:r>
-              <a:rPr lang="en-US" b="1" dirty="0" smtClean="0"/>
-              <a:t>Beam Search</a:t>
-            </a:r>
-            <a:endParaRPr lang="en-US" b="1" dirty="0"/>
-          </a:p>
-        </p:txBody>
-      </p:sp>
-      <p:sp>
-        <p:nvSpPr>
-          <p:cNvPr id="3" name="Content Placeholder 2"/>
-          <p:cNvSpPr>
-            <a:spLocks noGrp="1"/>
-          </p:cNvSpPr>
-          <p:nvPr>
-            <p:ph idx="1"/>
-          </p:nvPr>
-        </p:nvSpPr>
-        <p:spPr/>
-        <p:txBody>
-          <a:bodyPr/>
-          <a:lstStyle/>
-          <a:p>
-            <a:r>
-              <a:rPr lang="en-US" dirty="0" smtClean="0"/>
-              <a:t>In the Chopper paper [Luo, et al 2012], beam search is used to find the optimal BSP tree that partitions the mesh</a:t>
-            </a:r>
-          </a:p>
-          <a:p>
-            <a:r>
-              <a:rPr lang="en-US" dirty="0" smtClean="0"/>
-              <a:t>Consider all possibilities of cutting the largest part and evaluate them based on the objective functions</a:t>
-            </a:r>
-          </a:p>
-          <a:p>
-            <a:r>
-              <a:rPr lang="en-US" dirty="0" smtClean="0"/>
-              <a:t>Select the </a:t>
-            </a:r>
-            <a:r>
-              <a:rPr lang="en-US" i="1" dirty="0" smtClean="0"/>
-              <a:t>b</a:t>
-            </a:r>
-            <a:r>
-              <a:rPr lang="en-US" dirty="0" smtClean="0"/>
-              <a:t> best BSPs to continue with in the next iteration. </a:t>
-            </a:r>
-            <a:r>
-              <a:rPr lang="en-US" i="1" dirty="0" smtClean="0"/>
-              <a:t>b</a:t>
-            </a:r>
-            <a:r>
-              <a:rPr lang="en-US" dirty="0" smtClean="0"/>
-              <a:t> = beam width</a:t>
-            </a:r>
-          </a:p>
-          <a:p>
-            <a:r>
-              <a:rPr lang="en-US" dirty="0" smtClean="0"/>
-              <a:t>When all BSPs reach their goal, search ends and the best BSP is chosen</a:t>
-            </a:r>
-            <a:endParaRPr lang="en-US" dirty="0"/>
-          </a:p>
-        </p:txBody>
-      </p:sp>
-    </p:spTree>
-    <p:extLst>
-      <p:ext uri="{BB962C8B-B14F-4D97-AF65-F5344CB8AC3E}">
-        <p14:creationId xmlns:p14="http://schemas.microsoft.com/office/powerpoint/2010/main" val="1231990923"/>
-      </p:ext>
-    </p:extLst>
-  </p:cSld>
-  <p:clrMapOvr>
-    <a:masterClrMapping/>
-  </p:clrMapOvr>
-  <p:timing>
-    <p:tnLst>
-      <p:par>
-        <p:cTn id="1" dur="indefinite" restart="never" nodeType="tmRoot"/>
-      </p:par>
-    </p:tnLst>
-  </p:timing>
 </p:sld>
 </file>
 
@@ -3450,10 +3401,9 @@
           <a:lstStyle/>
           <a:p>
             <a:r>
-              <a:rPr lang="en-US" b="1" dirty="0" smtClean="0"/>
-              <a:t>Objective Functions</a:t>
-            </a:r>
-            <a:endParaRPr lang="en-US" b="1" dirty="0"/>
+              <a:rPr lang="en-US" b="1" dirty="0"/>
+              <a:t>Beam Search</a:t>
+            </a:r>
           </a:p>
         </p:txBody>
       </p:sp>
@@ -3469,42 +3419,46 @@
         </p:nvSpPr>
         <p:spPr/>
         <p:txBody>
-          <a:bodyPr>
-            <a:normAutofit/>
-          </a:bodyPr>
-          <a:lstStyle/>
-          <a:p>
-            <a:r>
-              <a:rPr lang="en-US" dirty="0" smtClean="0"/>
-              <a:t>Optimize the partitions based on printability,  </a:t>
-            </a:r>
-            <a:r>
-              <a:rPr lang="en-US" dirty="0" err="1" smtClean="0"/>
-              <a:t>assemblability</a:t>
-            </a:r>
-            <a:r>
-              <a:rPr lang="en-US" dirty="0" smtClean="0"/>
-              <a:t>, efficiency, connector feasibility</a:t>
-            </a:r>
-          </a:p>
-          <a:p>
-            <a:r>
-              <a:rPr lang="en-US" dirty="0" smtClean="0"/>
-              <a:t>Score is linear combination of all objectives. Lower scores are better</a:t>
-            </a:r>
-          </a:p>
-          <a:p>
-            <a:r>
-              <a:rPr lang="en-US" dirty="0" smtClean="0"/>
-              <a:t>By using BSP Tree to represent the cuts and terminating when all partitions can fit in the printing volume, printability and </a:t>
-            </a:r>
-            <a:r>
-              <a:rPr lang="en-US" dirty="0" err="1" smtClean="0"/>
-              <a:t>assemblability</a:t>
-            </a:r>
-            <a:r>
-              <a:rPr lang="en-US" dirty="0" smtClean="0"/>
-              <a:t> are already satisfied</a:t>
+          <a:bodyPr/>
+          <a:lstStyle/>
+          <a:p>
+            <a:r>
+              <a:rPr lang="en-US" dirty="0"/>
+              <a:t>In the Chopper paper [Luo, et al. 2012], beam search is used to find the optimal BSP tree that partitions the mesh</a:t>
+            </a:r>
+          </a:p>
+          <a:p>
+            <a:r>
+              <a:rPr lang="en-US" dirty="0"/>
+              <a:t>Consider all possibilities of cutting the largest part and evaluate them based on the objective functions</a:t>
+            </a:r>
+          </a:p>
+          <a:p>
+            <a:r>
+              <a:rPr lang="en-US" dirty="0"/>
+              <a:t>Select the </a:t>
+            </a:r>
+            <a:r>
+              <a:rPr lang="en-US" i="1" dirty="0"/>
+              <a:t>b</a:t>
+            </a:r>
+            <a:r>
+              <a:rPr lang="en-US" dirty="0"/>
+              <a:t> best BSPs to continue with in the next iteration. </a:t>
+            </a:r>
+            <a:r>
+              <a:rPr lang="en-US" i="1" dirty="0"/>
+              <a:t>b</a:t>
+            </a:r>
+            <a:r>
+              <a:rPr lang="en-US" dirty="0"/>
+              <a:t> = beam width</a:t>
+            </a:r>
+          </a:p>
+          <a:p>
+            <a:r>
+              <a:rPr lang="en-US" dirty="0"/>
+              <a:t>When all BSPs reach their goal, search ends and the best BSP is chosen</a:t>
             </a:r>
           </a:p>
         </p:txBody>
@@ -3512,20 +3466,13 @@
     </p:spTree>
     <p:extLst>
       <p:ext uri="{BB962C8B-B14F-4D97-AF65-F5344CB8AC3E}">
-        <p14:creationId xmlns:p14="http://schemas.microsoft.com/office/powerpoint/2010/main" val="627604375"/>
+        <p14:creationId xmlns:p14="http://schemas.microsoft.com/office/powerpoint/2010/main" val="1231990923"/>
       </p:ext>
     </p:extLst>
   </p:cSld>
   <p:clrMapOvr>
     <a:masterClrMapping/>
   </p:clrMapOvr>
-  <p:timing>
-    <p:tnLst>
-      <p:par>
-        <p:cTn id="1" dur="indefinite" restart="never" nodeType="tmRoot"/>
-      </p:par>
-    </p:tnLst>
-  </p:timing>
 </p:sld>
 </file>
 
@@ -3562,14 +3509,198 @@
           <a:lstStyle/>
           <a:p>
             <a:r>
-              <a:rPr lang="en-US" b="1" dirty="0" smtClean="0"/>
+              <a:rPr lang="en-US" b="1" dirty="0"/>
+              <a:t>Beam Search contd.</a:t>
+            </a:r>
+          </a:p>
+        </p:txBody>
+      </p:sp>
+      <p:pic>
+        <p:nvPicPr>
+          <p:cNvPr id="5" name="Content Placeholder 4"/>
+          <p:cNvPicPr>
+            <a:picLocks noGrp="1" noChangeAspect="1"/>
+          </p:cNvPicPr>
+          <p:nvPr>
+            <p:ph idx="1"/>
+          </p:nvPr>
+        </p:nvPicPr>
+        <p:blipFill>
+          <a:blip r:embed="rId2">
+            <a:extLst>
+              <a:ext uri="{28A0092B-C50C-407E-A947-70E740481C1C}">
+                <a14:useLocalDpi xmlns:a14="http://schemas.microsoft.com/office/drawing/2010/main" val="0"/>
+              </a:ext>
+            </a:extLst>
+          </a:blip>
+          <a:stretch>
+            <a:fillRect/>
+          </a:stretch>
+        </p:blipFill>
+        <p:spPr>
+          <a:xfrm>
+            <a:off x="3600450" y="1839119"/>
+            <a:ext cx="4991100" cy="4324350"/>
+          </a:xfrm>
+        </p:spPr>
+      </p:pic>
+    </p:spTree>
+    <p:extLst>
+      <p:ext uri="{BB962C8B-B14F-4D97-AF65-F5344CB8AC3E}">
+        <p14:creationId xmlns:p14="http://schemas.microsoft.com/office/powerpoint/2010/main" val="1468798093"/>
+      </p:ext>
+    </p:extLst>
+  </p:cSld>
+  <p:clrMapOvr>
+    <a:masterClrMapping/>
+  </p:clrMapOvr>
+</p:sld>
+</file>
+
+<file path=ppt/slides/slide14.xml><?xml version="1.0" encoding="utf-8"?>
+<p:sld xmlns:a="http://schemas.openxmlformats.org/drawingml/2006/main" xmlns:r="http://schemas.openxmlformats.org/officeDocument/2006/relationships" xmlns:p="http://schemas.openxmlformats.org/presentationml/2006/main">
+  <p:cSld>
+    <p:spTree>
+      <p:nvGrpSpPr>
+        <p:cNvPr id="1" name=""/>
+        <p:cNvGrpSpPr/>
+        <p:nvPr/>
+      </p:nvGrpSpPr>
+      <p:grpSpPr>
+        <a:xfrm>
+          <a:off x="0" y="0"/>
+          <a:ext cx="0" cy="0"/>
+          <a:chOff x="0" y="0"/>
+          <a:chExt cx="0" cy="0"/>
+        </a:xfrm>
+      </p:grpSpPr>
+      <p:sp>
+        <p:nvSpPr>
+          <p:cNvPr id="2" name="Title 1"/>
+          <p:cNvSpPr>
+            <a:spLocks noGrp="1"/>
+          </p:cNvSpPr>
+          <p:nvPr>
+            <p:ph type="title"/>
+          </p:nvPr>
+        </p:nvSpPr>
+        <p:spPr/>
+        <p:txBody>
+          <a:bodyPr/>
+          <a:lstStyle/>
+          <a:p>
+            <a:r>
+              <a:rPr lang="en-US" b="1" dirty="0"/>
+              <a:t>Objective Functions</a:t>
+            </a:r>
+          </a:p>
+        </p:txBody>
+      </p:sp>
+      <p:sp>
+        <p:nvSpPr>
+          <p:cNvPr id="3" name="Content Placeholder 2"/>
+          <p:cNvSpPr>
+            <a:spLocks noGrp="1"/>
+          </p:cNvSpPr>
+          <p:nvPr>
+            <p:ph idx="1"/>
+          </p:nvPr>
+        </p:nvSpPr>
+        <p:spPr/>
+        <p:txBody>
+          <a:bodyPr>
+            <a:normAutofit/>
+          </a:bodyPr>
+          <a:lstStyle/>
+          <a:p>
+            <a:r>
+              <a:rPr lang="en-US" dirty="0"/>
+              <a:t>Optimize the partitions based on printability,  </a:t>
+            </a:r>
+            <a:r>
+              <a:rPr lang="en-US" dirty="0" err="1"/>
+              <a:t>assemblability</a:t>
+            </a:r>
+            <a:r>
+              <a:rPr lang="en-US" dirty="0"/>
+              <a:t>, efficiency, connector feasibility</a:t>
+            </a:r>
+          </a:p>
+          <a:p>
+            <a:r>
+              <a:rPr lang="en-US" dirty="0"/>
+              <a:t>Score is linear combination of all objectives. Lower scores are better</a:t>
+            </a:r>
+          </a:p>
+          <a:p>
+            <a:r>
+              <a:rPr lang="en-US" dirty="0"/>
+              <a:t>By using BSP Tree to represent the cuts and terminating when all partitions can fit in the printing volume, printability and </a:t>
+            </a:r>
+            <a:r>
+              <a:rPr lang="en-US" dirty="0" err="1"/>
+              <a:t>assemblability</a:t>
+            </a:r>
+            <a:r>
+              <a:rPr lang="en-US" dirty="0"/>
+              <a:t> are already satisfied</a:t>
+            </a:r>
+          </a:p>
+        </p:txBody>
+      </p:sp>
+    </p:spTree>
+    <p:extLst>
+      <p:ext uri="{BB962C8B-B14F-4D97-AF65-F5344CB8AC3E}">
+        <p14:creationId xmlns:p14="http://schemas.microsoft.com/office/powerpoint/2010/main" val="627604375"/>
+      </p:ext>
+    </p:extLst>
+  </p:cSld>
+  <p:clrMapOvr>
+    <a:masterClrMapping/>
+  </p:clrMapOvr>
+</p:sld>
+</file>
+
+<file path=ppt/slides/slide15.xml><?xml version="1.0" encoding="utf-8"?>
+<p:sld xmlns:a="http://schemas.openxmlformats.org/drawingml/2006/main" xmlns:r="http://schemas.openxmlformats.org/officeDocument/2006/relationships" xmlns:p="http://schemas.openxmlformats.org/presentationml/2006/main">
+  <p:cSld>
+    <p:spTree>
+      <p:nvGrpSpPr>
+        <p:cNvPr id="1" name=""/>
+        <p:cNvGrpSpPr/>
+        <p:nvPr/>
+      </p:nvGrpSpPr>
+      <p:grpSpPr>
+        <a:xfrm>
+          <a:off x="0" y="0"/>
+          <a:ext cx="0" cy="0"/>
+          <a:chOff x="0" y="0"/>
+          <a:chExt cx="0" cy="0"/>
+        </a:xfrm>
+      </p:grpSpPr>
+      <p:sp>
+        <p:nvSpPr>
+          <p:cNvPr id="2" name="Title 1"/>
+          <p:cNvSpPr>
+            <a:spLocks noGrp="1"/>
+          </p:cNvSpPr>
+          <p:nvPr>
+            <p:ph type="title"/>
+          </p:nvPr>
+        </p:nvSpPr>
+        <p:spPr/>
+        <p:txBody>
+          <a:bodyPr/>
+          <a:lstStyle/>
+          <a:p>
+            <a:r>
+              <a:rPr lang="en-US" b="1" dirty="0"/>
               <a:t>f</a:t>
             </a:r>
             <a:r>
-              <a:rPr lang="en-US" b="1" baseline="-25000" dirty="0" smtClean="0"/>
+              <a:rPr lang="en-US" b="1" baseline="-25000" dirty="0"/>
               <a:t>Part</a:t>
             </a:r>
-            <a:endParaRPr lang="en-US" b="1" baseline="-25000" dirty="0"/>
           </a:p>
         </p:txBody>
       </p:sp>
@@ -3594,28 +3725,20 @@
           <a:lstStyle/>
           <a:p>
             <a:r>
-              <a:rPr lang="en-US" dirty="0" smtClean="0"/>
+              <a:rPr lang="en-US" dirty="0"/>
               <a:t>Minimizes the number of printing volumes needed to tile the partitions</a:t>
             </a:r>
           </a:p>
           <a:p>
             <a:r>
-              <a:rPr lang="en-US" dirty="0" smtClean="0"/>
+              <a:rPr lang="en-US" dirty="0"/>
               <a:t>Requires using Oriented Bounding Box (OBB) to compute the tiling</a:t>
             </a:r>
           </a:p>
           <a:p>
             <a:r>
-              <a:rPr lang="en-US" dirty="0" smtClean="0"/>
-              <a:t>Axis-aligned bounding</a:t>
-            </a:r>
-            <a:r>
-              <a:rPr lang="en-US" dirty="0" smtClean="0"/>
-              <a:t> </a:t>
-            </a:r>
-            <a:r>
-              <a:rPr lang="en-US" dirty="0" smtClean="0"/>
-              <a:t>box sufficient</a:t>
+              <a:rPr lang="en-US" dirty="0"/>
+              <a:t>Axis-aligned bounding box sufficient</a:t>
             </a:r>
           </a:p>
         </p:txBody>
@@ -3689,17 +3812,10 @@
   <p:clrMapOvr>
     <a:masterClrMapping/>
   </p:clrMapOvr>
-  <p:timing>
-    <p:tnLst>
-      <p:par>
-        <p:cTn id="1" dur="indefinite" restart="never" nodeType="tmRoot"/>
-      </p:par>
-    </p:tnLst>
-  </p:timing>
 </p:sld>
 </file>
 
-<file path=ppt/slides/slide14.xml><?xml version="1.0" encoding="utf-8"?>
+<file path=ppt/slides/slide16.xml><?xml version="1.0" encoding="utf-8"?>
 <p:sld xmlns:a="http://schemas.openxmlformats.org/drawingml/2006/main" xmlns:r="http://schemas.openxmlformats.org/officeDocument/2006/relationships" xmlns:p="http://schemas.openxmlformats.org/presentationml/2006/main">
   <p:cSld>
     <p:spTree>
@@ -3732,11 +3848,11 @@
           <a:lstStyle/>
           <a:p>
             <a:r>
-              <a:rPr lang="en-US" b="1" dirty="0" smtClean="0"/>
+              <a:rPr lang="en-US" b="1" dirty="0"/>
               <a:t>f</a:t>
             </a:r>
             <a:r>
-              <a:rPr lang="en-US" b="1" baseline="-25000" dirty="0" smtClean="0"/>
+              <a:rPr lang="en-US" b="1" baseline="-25000" dirty="0"/>
               <a:t>Util</a:t>
             </a:r>
             <a:endParaRPr lang="en-US" b="1" dirty="0"/>
@@ -3764,13 +3880,13 @@
           <a:lstStyle/>
           <a:p>
             <a:r>
-              <a:rPr lang="en-US" dirty="0" smtClean="0"/>
+              <a:rPr lang="en-US" dirty="0"/>
               <a:t>Maximizes the use of the printing volume</a:t>
             </a:r>
           </a:p>
           <a:p>
             <a:r>
-              <a:rPr lang="en-US" dirty="0" smtClean="0"/>
+              <a:rPr lang="en-US" dirty="0"/>
               <a:t>Compares volume of the partition to the volume of the printing volume to  ensure using printing volume efficiently</a:t>
             </a:r>
           </a:p>
@@ -3819,17 +3935,10 @@
   <p:clrMapOvr>
     <a:masterClrMapping/>
   </p:clrMapOvr>
-  <p:timing>
-    <p:tnLst>
-      <p:par>
-        <p:cTn id="1" dur="indefinite" restart="never" nodeType="tmRoot"/>
-      </p:par>
-    </p:tnLst>
-  </p:timing>
 </p:sld>
 </file>
 
-<file path=ppt/slides/slide15.xml><?xml version="1.0" encoding="utf-8"?>
+<file path=ppt/slides/slide17.xml><?xml version="1.0" encoding="utf-8"?>
 <p:sld xmlns:a="http://schemas.openxmlformats.org/drawingml/2006/main" xmlns:r="http://schemas.openxmlformats.org/officeDocument/2006/relationships" xmlns:p="http://schemas.openxmlformats.org/presentationml/2006/main">
   <p:cSld>
     <p:spTree>
@@ -3862,11 +3971,11 @@
           <a:lstStyle/>
           <a:p>
             <a:r>
-              <a:rPr lang="en-US" b="1" dirty="0" smtClean="0"/>
+              <a:rPr lang="en-US" b="1" dirty="0"/>
               <a:t>f</a:t>
             </a:r>
             <a:r>
-              <a:rPr lang="en-US" b="1" baseline="-25000" dirty="0" smtClean="0"/>
+              <a:rPr lang="en-US" b="1" baseline="-25000" dirty="0"/>
               <a:t>Connector</a:t>
             </a:r>
             <a:endParaRPr lang="en-US" b="1" dirty="0"/>
@@ -3889,24 +3998,24 @@
           <a:lstStyle/>
           <a:p>
             <a:r>
-              <a:rPr lang="en-US" dirty="0" smtClean="0"/>
+              <a:rPr lang="en-US" dirty="0"/>
               <a:t>Maximizes quality of connector placement</a:t>
             </a:r>
           </a:p>
           <a:p>
             <a:r>
-              <a:rPr lang="en-US" dirty="0" smtClean="0"/>
+              <a:rPr lang="en-US" dirty="0"/>
               <a:t>Convex hull is created around the possible connector locations</a:t>
             </a:r>
           </a:p>
           <a:p>
             <a:r>
-              <a:rPr lang="en-US" dirty="0" smtClean="0"/>
+              <a:rPr lang="en-US" dirty="0"/>
               <a:t>Compares area of connector to area of the convex hull to ensure that connector can be placed in that cross section</a:t>
             </a:r>
           </a:p>
           <a:p>
-            <a:endParaRPr lang="en-US" dirty="0" smtClean="0"/>
+            <a:endParaRPr lang="en-US" dirty="0"/>
           </a:p>
           <a:p>
             <a:endParaRPr lang="en-US" dirty="0"/>
@@ -3923,17 +4032,10 @@
   <p:clrMapOvr>
     <a:masterClrMapping/>
   </p:clrMapOvr>
-  <p:timing>
-    <p:tnLst>
-      <p:par>
-        <p:cTn id="1" dur="indefinite" restart="never" nodeType="tmRoot"/>
-      </p:par>
-    </p:tnLst>
-  </p:timing>
 </p:sld>
 </file>
 
-<file path=ppt/slides/slide16.xml><?xml version="1.0" encoding="utf-8"?>
+<file path=ppt/slides/slide18.xml><?xml version="1.0" encoding="utf-8"?>
 <p:sld xmlns:a="http://schemas.openxmlformats.org/drawingml/2006/main" xmlns:r="http://schemas.openxmlformats.org/officeDocument/2006/relationships" xmlns:p="http://schemas.openxmlformats.org/presentationml/2006/main">
   <p:cSld>
     <p:spTree>
@@ -3992,56 +4094,53 @@
           </a:lstStyle>
           <a:p>
             <a:r>
-              <a:rPr lang="en-US" sz="2000" cap="small" dirty="0" smtClean="0">
+              <a:rPr lang="en-US" sz="2000" cap="small" dirty="0">
                 <a:latin typeface="+mn-lt"/>
               </a:rPr>
               <a:t>Barber, C., </a:t>
             </a:r>
             <a:r>
-              <a:rPr lang="en-US" sz="2000" cap="small" dirty="0" err="1" smtClean="0">
+              <a:rPr lang="en-US" sz="2000" cap="small" dirty="0" err="1">
                 <a:latin typeface="+mn-lt"/>
               </a:rPr>
               <a:t>dobkin</a:t>
             </a:r>
             <a:r>
-              <a:rPr lang="en-US" sz="2000" cap="small" dirty="0" smtClean="0">
+              <a:rPr lang="en-US" sz="2000" cap="small" dirty="0">
                 <a:latin typeface="+mn-lt"/>
               </a:rPr>
               <a:t>, D., </a:t>
             </a:r>
             <a:r>
-              <a:rPr lang="en-US" sz="2000" cap="small" dirty="0" err="1" smtClean="0">
+              <a:rPr lang="en-US" sz="2000" cap="small" dirty="0" err="1">
                 <a:latin typeface="+mn-lt"/>
               </a:rPr>
               <a:t>Huhdanpaa</a:t>
             </a:r>
             <a:r>
-              <a:rPr lang="en-US" sz="2000" cap="small" dirty="0" smtClean="0">
+              <a:rPr lang="en-US" sz="2000" cap="small" dirty="0">
                 <a:latin typeface="+mn-lt"/>
               </a:rPr>
               <a:t>, H. 1995.</a:t>
             </a:r>
             <a:r>
-              <a:rPr lang="en-US" sz="2000" dirty="0" smtClean="0">
+              <a:rPr lang="en-US" sz="2000" dirty="0">
                 <a:latin typeface="+mn-lt"/>
               </a:rPr>
               <a:t> The </a:t>
             </a:r>
             <a:r>
-              <a:rPr lang="en-US" sz="2000" dirty="0" err="1" smtClean="0">
+              <a:rPr lang="en-US" sz="2000" dirty="0" err="1">
                 <a:latin typeface="+mn-lt"/>
               </a:rPr>
               <a:t>Quickhull</a:t>
             </a:r>
             <a:r>
-              <a:rPr lang="en-US" sz="2000" dirty="0" smtClean="0">
+              <a:rPr lang="en-US" sz="2000" dirty="0">
                 <a:latin typeface="+mn-lt"/>
               </a:rPr>
               <a:t> Algorithm for Convex Hulls. ACM Transactions on Mathematical Software. Vol. 22, No. 4, 469-483.</a:t>
             </a:r>
-            <a:endParaRPr lang="en-US" sz="2000" dirty="0">
-              <a:latin typeface="+mn-lt"/>
-            </a:endParaRPr>
           </a:p>
         </p:txBody>
       </p:sp>
@@ -4085,177 +4184,6 @@
   <p:clrMapOvr>
     <a:masterClrMapping/>
   </p:clrMapOvr>
-  <p:timing>
-    <p:tnLst>
-      <p:par>
-        <p:cTn id="1" dur="indefinite" restart="never" nodeType="tmRoot"/>
-      </p:par>
-    </p:tnLst>
-  </p:timing>
-</p:sld>
-</file>
-
-<file path=ppt/slides/slide17.xml><?xml version="1.0" encoding="utf-8"?>
-<p:sld xmlns:a="http://schemas.openxmlformats.org/drawingml/2006/main" xmlns:r="http://schemas.openxmlformats.org/officeDocument/2006/relationships" xmlns:p="http://schemas.openxmlformats.org/presentationml/2006/main">
-  <p:cSld>
-    <p:spTree>
-      <p:nvGrpSpPr>
-        <p:cNvPr id="1" name=""/>
-        <p:cNvGrpSpPr/>
-        <p:nvPr/>
-      </p:nvGrpSpPr>
-      <p:grpSpPr>
-        <a:xfrm>
-          <a:off x="0" y="0"/>
-          <a:ext cx="0" cy="0"/>
-          <a:chOff x="0" y="0"/>
-          <a:chExt cx="0" cy="0"/>
-        </a:xfrm>
-      </p:grpSpPr>
-      <p:sp>
-        <p:nvSpPr>
-          <p:cNvPr id="2" name="Title 1"/>
-          <p:cNvSpPr>
-            <a:spLocks noGrp="1"/>
-          </p:cNvSpPr>
-          <p:nvPr>
-            <p:ph type="title"/>
-          </p:nvPr>
-        </p:nvSpPr>
-        <p:spPr/>
-        <p:txBody>
-          <a:bodyPr/>
-          <a:lstStyle/>
-          <a:p>
-            <a:r>
-              <a:rPr lang="en-US" b="1" dirty="0" smtClean="0"/>
-              <a:t>Results</a:t>
-            </a:r>
-            <a:endParaRPr lang="en-US" b="1" dirty="0"/>
-          </a:p>
-        </p:txBody>
-      </p:sp>
-      <p:sp>
-        <p:nvSpPr>
-          <p:cNvPr id="3" name="Content Placeholder 2"/>
-          <p:cNvSpPr>
-            <a:spLocks noGrp="1"/>
-          </p:cNvSpPr>
-          <p:nvPr>
-            <p:ph idx="1"/>
-          </p:nvPr>
-        </p:nvSpPr>
-        <p:spPr/>
-        <p:txBody>
-          <a:bodyPr/>
-          <a:lstStyle/>
-          <a:p>
-            <a:endParaRPr lang="en-US"/>
-          </a:p>
-        </p:txBody>
-      </p:sp>
-    </p:spTree>
-    <p:extLst>
-      <p:ext uri="{BB962C8B-B14F-4D97-AF65-F5344CB8AC3E}">
-        <p14:creationId xmlns:p14="http://schemas.microsoft.com/office/powerpoint/2010/main" val="93572732"/>
-      </p:ext>
-    </p:extLst>
-  </p:cSld>
-  <p:clrMapOvr>
-    <a:masterClrMapping/>
-  </p:clrMapOvr>
-</p:sld>
-</file>
-
-<file path=ppt/slides/slide18.xml><?xml version="1.0" encoding="utf-8"?>
-<p:sld xmlns:a="http://schemas.openxmlformats.org/drawingml/2006/main" xmlns:r="http://schemas.openxmlformats.org/officeDocument/2006/relationships" xmlns:p="http://schemas.openxmlformats.org/presentationml/2006/main">
-  <p:cSld>
-    <p:spTree>
-      <p:nvGrpSpPr>
-        <p:cNvPr id="1" name=""/>
-        <p:cNvGrpSpPr/>
-        <p:nvPr/>
-      </p:nvGrpSpPr>
-      <p:grpSpPr>
-        <a:xfrm>
-          <a:off x="0" y="0"/>
-          <a:ext cx="0" cy="0"/>
-          <a:chOff x="0" y="0"/>
-          <a:chExt cx="0" cy="0"/>
-        </a:xfrm>
-      </p:grpSpPr>
-      <p:sp>
-        <p:nvSpPr>
-          <p:cNvPr id="2" name="Title 1"/>
-          <p:cNvSpPr>
-            <a:spLocks noGrp="1"/>
-          </p:cNvSpPr>
-          <p:nvPr>
-            <p:ph type="title"/>
-          </p:nvPr>
-        </p:nvSpPr>
-        <p:spPr/>
-        <p:txBody>
-          <a:bodyPr/>
-          <a:lstStyle/>
-          <a:p>
-            <a:r>
-              <a:rPr lang="en-US" b="1" dirty="0" smtClean="0"/>
-              <a:t>Future Work</a:t>
-            </a:r>
-            <a:endParaRPr lang="en-US" b="1" dirty="0"/>
-          </a:p>
-        </p:txBody>
-      </p:sp>
-      <p:sp>
-        <p:nvSpPr>
-          <p:cNvPr id="3" name="Content Placeholder 2"/>
-          <p:cNvSpPr>
-            <a:spLocks noGrp="1"/>
-          </p:cNvSpPr>
-          <p:nvPr>
-            <p:ph idx="1"/>
-          </p:nvPr>
-        </p:nvSpPr>
-        <p:spPr/>
-        <p:txBody>
-          <a:bodyPr/>
-          <a:lstStyle/>
-          <a:p>
-            <a:r>
-              <a:rPr lang="en-US" dirty="0" smtClean="0"/>
-              <a:t>Triangulation</a:t>
-            </a:r>
-          </a:p>
-          <a:p>
-            <a:r>
-              <a:rPr lang="en-US" dirty="0" smtClean="0"/>
-              <a:t>f</a:t>
-            </a:r>
-            <a:r>
-              <a:rPr lang="en-US" baseline="-25000" dirty="0" smtClean="0"/>
-              <a:t>Connector</a:t>
-            </a:r>
-          </a:p>
-          <a:p>
-            <a:r>
-              <a:rPr lang="en-US" dirty="0" smtClean="0"/>
-              <a:t>Optimize/parallelize beam search</a:t>
-            </a:r>
-            <a:endParaRPr lang="en-US" dirty="0"/>
-          </a:p>
-        </p:txBody>
-      </p:sp>
-    </p:spTree>
-    <p:extLst>
-      <p:ext uri="{BB962C8B-B14F-4D97-AF65-F5344CB8AC3E}">
-        <p14:creationId xmlns:p14="http://schemas.microsoft.com/office/powerpoint/2010/main" val="2134625956"/>
-      </p:ext>
-    </p:extLst>
-  </p:cSld>
-  <p:clrMapOvr>
-    <a:masterClrMapping/>
-  </p:clrMapOvr>
 </p:sld>
 </file>
 
@@ -4292,17 +4220,75 @@
           <a:lstStyle/>
           <a:p>
             <a:r>
-              <a:rPr lang="en-US" b="1" dirty="0" smtClean="0"/>
-              <a:t>Questions?</a:t>
-            </a:r>
-            <a:endParaRPr lang="en-US" b="1" dirty="0"/>
+              <a:rPr lang="en-US" b="1" dirty="0"/>
+              <a:t>Results</a:t>
+            </a:r>
+          </a:p>
+        </p:txBody>
+      </p:sp>
+      <p:pic>
+        <p:nvPicPr>
+          <p:cNvPr id="5" name="Picture 4"/>
+          <p:cNvPicPr>
+            <a:picLocks noChangeAspect="1"/>
+          </p:cNvPicPr>
+          <p:nvPr/>
+        </p:nvPicPr>
+        <p:blipFill>
+          <a:blip r:embed="rId2" cstate="print">
+            <a:extLst>
+              <a:ext uri="{28A0092B-C50C-407E-A947-70E740481C1C}">
+                <a14:useLocalDpi xmlns:a14="http://schemas.microsoft.com/office/drawing/2010/main" val="0"/>
+              </a:ext>
+            </a:extLst>
+          </a:blip>
+          <a:stretch>
+            <a:fillRect/>
+          </a:stretch>
+        </p:blipFill>
+        <p:spPr>
+          <a:xfrm>
+            <a:off x="838200" y="1926831"/>
+            <a:ext cx="2284668" cy="2346231"/>
+          </a:xfrm>
+          <a:prstGeom prst="rect">
+            <a:avLst/>
+          </a:prstGeom>
+        </p:spPr>
+      </p:pic>
+      <p:sp>
+        <p:nvSpPr>
+          <p:cNvPr id="6" name="TextBox 5"/>
+          <p:cNvSpPr txBox="1"/>
+          <p:nvPr/>
+        </p:nvSpPr>
+        <p:spPr>
+          <a:xfrm>
+            <a:off x="838200" y="1690688"/>
+            <a:ext cx="986489" cy="276999"/>
+          </a:xfrm>
+          <a:prstGeom prst="rect">
+            <a:avLst/>
+          </a:prstGeom>
+          <a:noFill/>
+        </p:spPr>
+        <p:txBody>
+          <a:bodyPr wrap="none" rtlCol="0">
+            <a:spAutoFit/>
+          </a:bodyPr>
+          <a:lstStyle/>
+          <a:p>
+            <a:r>
+              <a:rPr lang="en-US" sz="1200" dirty="0"/>
+              <a:t>Bunny: 7.16s</a:t>
+            </a:r>
           </a:p>
         </p:txBody>
       </p:sp>
     </p:spTree>
     <p:extLst>
       <p:ext uri="{BB962C8B-B14F-4D97-AF65-F5344CB8AC3E}">
-        <p14:creationId xmlns:p14="http://schemas.microsoft.com/office/powerpoint/2010/main" val="1347353144"/>
+        <p14:creationId xmlns:p14="http://schemas.microsoft.com/office/powerpoint/2010/main" val="93572732"/>
       </p:ext>
     </p:extLst>
   </p:cSld>
@@ -4345,10 +4331,9 @@
           <a:lstStyle/>
           <a:p>
             <a:r>
-              <a:rPr lang="en-US" b="1" dirty="0" smtClean="0"/>
+              <a:rPr lang="en-US" b="1" dirty="0"/>
               <a:t>Motivation</a:t>
             </a:r>
-            <a:endParaRPr lang="en-US" b="1" dirty="0"/>
           </a:p>
         </p:txBody>
       </p:sp>
@@ -4371,62 +4356,56 @@
           <a:p>
             <a:r>
               <a:rPr lang="en-US" dirty="0"/>
-              <a:t>S</a:t>
-            </a:r>
-            <a:r>
-              <a:rPr lang="en-US" dirty="0" smtClean="0"/>
-              <a:t>ize constraints limit the maximum volume of a printed model</a:t>
-            </a:r>
-          </a:p>
-          <a:p>
-            <a:r>
-              <a:rPr lang="en-US" b="1" dirty="0" smtClean="0"/>
+              <a:t>Size constraints limit the maximum volume of a printed model</a:t>
+            </a:r>
+          </a:p>
+          <a:p>
+            <a:r>
+              <a:rPr lang="en-US" b="1" dirty="0"/>
               <a:t>GOAL: </a:t>
             </a:r>
             <a:r>
-              <a:rPr lang="en-US" dirty="0" smtClean="0"/>
+              <a:rPr lang="en-US" dirty="0"/>
               <a:t>develop algorithm to automate subdividing large models into printable subcomponents</a:t>
             </a:r>
           </a:p>
           <a:p>
             <a:r>
-              <a:rPr lang="en-US" dirty="0" smtClean="0"/>
+              <a:rPr lang="en-US" dirty="0"/>
               <a:t>Optimize subdivisions based on:</a:t>
             </a:r>
           </a:p>
           <a:p>
             <a:pPr lvl="1"/>
             <a:r>
-              <a:rPr lang="en-US" dirty="0" smtClean="0"/>
+              <a:rPr lang="en-US" dirty="0"/>
               <a:t>printability (parts must fit inside the working volume of the printer)</a:t>
             </a:r>
           </a:p>
           <a:p>
             <a:pPr lvl="1"/>
             <a:r>
-              <a:rPr lang="en-US" dirty="0" err="1" smtClean="0"/>
+              <a:rPr lang="en-US" dirty="0" err="1"/>
               <a:t>assemblability</a:t>
             </a:r>
             <a:r>
-              <a:rPr lang="en-US" dirty="0" smtClean="0"/>
+              <a:rPr lang="en-US" dirty="0"/>
               <a:t> (it must be possible to assemble the parts into a finished model)</a:t>
             </a:r>
           </a:p>
           <a:p>
             <a:pPr lvl="1"/>
             <a:r>
-              <a:rPr lang="en-US" dirty="0" smtClean="0"/>
+              <a:rPr lang="en-US" dirty="0"/>
               <a:t>efficiency (minimize the number subcomponents)</a:t>
             </a:r>
-            <a:endParaRPr lang="en-US" dirty="0"/>
           </a:p>
           <a:p>
             <a:pPr lvl="1"/>
             <a:r>
-              <a:rPr lang="en-US" dirty="0" smtClean="0"/>
+              <a:rPr lang="en-US" dirty="0"/>
               <a:t>connector feasibility (each surface connecting to other parts must be large enough for male and female connector protrusions).</a:t>
             </a:r>
-            <a:endParaRPr lang="en-US" dirty="0"/>
           </a:p>
         </p:txBody>
       </p:sp>
@@ -4440,13 +4419,148 @@
   <p:clrMapOvr>
     <a:masterClrMapping/>
   </p:clrMapOvr>
-  <p:timing>
-    <p:tnLst>
-      <p:par>
-        <p:cTn id="1" dur="indefinite" restart="never" nodeType="tmRoot"/>
-      </p:par>
-    </p:tnLst>
-  </p:timing>
+</p:sld>
+</file>
+
+<file path=ppt/slides/slide20.xml><?xml version="1.0" encoding="utf-8"?>
+<p:sld xmlns:a="http://schemas.openxmlformats.org/drawingml/2006/main" xmlns:r="http://schemas.openxmlformats.org/officeDocument/2006/relationships" xmlns:p="http://schemas.openxmlformats.org/presentationml/2006/main">
+  <p:cSld>
+    <p:spTree>
+      <p:nvGrpSpPr>
+        <p:cNvPr id="1" name=""/>
+        <p:cNvGrpSpPr/>
+        <p:nvPr/>
+      </p:nvGrpSpPr>
+      <p:grpSpPr>
+        <a:xfrm>
+          <a:off x="0" y="0"/>
+          <a:ext cx="0" cy="0"/>
+          <a:chOff x="0" y="0"/>
+          <a:chExt cx="0" cy="0"/>
+        </a:xfrm>
+      </p:grpSpPr>
+      <p:sp>
+        <p:nvSpPr>
+          <p:cNvPr id="2" name="Title 1"/>
+          <p:cNvSpPr>
+            <a:spLocks noGrp="1"/>
+          </p:cNvSpPr>
+          <p:nvPr>
+            <p:ph type="title"/>
+          </p:nvPr>
+        </p:nvSpPr>
+        <p:spPr/>
+        <p:txBody>
+          <a:bodyPr/>
+          <a:lstStyle/>
+          <a:p>
+            <a:r>
+              <a:rPr lang="en-US" b="1" dirty="0"/>
+              <a:t>Future Work</a:t>
+            </a:r>
+          </a:p>
+        </p:txBody>
+      </p:sp>
+      <p:sp>
+        <p:nvSpPr>
+          <p:cNvPr id="3" name="Content Placeholder 2"/>
+          <p:cNvSpPr>
+            <a:spLocks noGrp="1"/>
+          </p:cNvSpPr>
+          <p:nvPr>
+            <p:ph idx="1"/>
+          </p:nvPr>
+        </p:nvSpPr>
+        <p:spPr/>
+        <p:txBody>
+          <a:bodyPr/>
+          <a:lstStyle/>
+          <a:p>
+            <a:r>
+              <a:rPr lang="en-US" dirty="0"/>
+              <a:t>Triangulation</a:t>
+            </a:r>
+          </a:p>
+          <a:p>
+            <a:r>
+              <a:rPr lang="en-US" dirty="0"/>
+              <a:t>f</a:t>
+            </a:r>
+            <a:r>
+              <a:rPr lang="en-US" baseline="-25000" dirty="0"/>
+              <a:t>Connector</a:t>
+            </a:r>
+          </a:p>
+          <a:p>
+            <a:r>
+              <a:rPr lang="en-US" dirty="0"/>
+              <a:t>Optimize/parallelize beam search</a:t>
+            </a:r>
+          </a:p>
+        </p:txBody>
+      </p:sp>
+    </p:spTree>
+    <p:extLst>
+      <p:ext uri="{BB962C8B-B14F-4D97-AF65-F5344CB8AC3E}">
+        <p14:creationId xmlns:p14="http://schemas.microsoft.com/office/powerpoint/2010/main" val="2134625956"/>
+      </p:ext>
+    </p:extLst>
+  </p:cSld>
+  <p:clrMapOvr>
+    <a:masterClrMapping/>
+  </p:clrMapOvr>
+</p:sld>
+</file>
+
+<file path=ppt/slides/slide21.xml><?xml version="1.0" encoding="utf-8"?>
+<p:sld xmlns:a="http://schemas.openxmlformats.org/drawingml/2006/main" xmlns:r="http://schemas.openxmlformats.org/officeDocument/2006/relationships" xmlns:p="http://schemas.openxmlformats.org/presentationml/2006/main">
+  <p:cSld>
+    <p:spTree>
+      <p:nvGrpSpPr>
+        <p:cNvPr id="1" name=""/>
+        <p:cNvGrpSpPr/>
+        <p:nvPr/>
+      </p:nvGrpSpPr>
+      <p:grpSpPr>
+        <a:xfrm>
+          <a:off x="0" y="0"/>
+          <a:ext cx="0" cy="0"/>
+          <a:chOff x="0" y="0"/>
+          <a:chExt cx="0" cy="0"/>
+        </a:xfrm>
+      </p:grpSpPr>
+      <p:sp>
+        <p:nvSpPr>
+          <p:cNvPr id="2" name="Title 1"/>
+          <p:cNvSpPr>
+            <a:spLocks noGrp="1"/>
+          </p:cNvSpPr>
+          <p:nvPr>
+            <p:ph type="title"/>
+          </p:nvPr>
+        </p:nvSpPr>
+        <p:spPr/>
+        <p:txBody>
+          <a:bodyPr/>
+          <a:lstStyle/>
+          <a:p>
+            <a:r>
+              <a:rPr lang="en-US" b="1" dirty="0"/>
+              <a:t>Questions?</a:t>
+            </a:r>
+          </a:p>
+        </p:txBody>
+      </p:sp>
+    </p:spTree>
+    <p:extLst>
+      <p:ext uri="{BB962C8B-B14F-4D97-AF65-F5344CB8AC3E}">
+        <p14:creationId xmlns:p14="http://schemas.microsoft.com/office/powerpoint/2010/main" val="1347353144"/>
+      </p:ext>
+    </p:extLst>
+  </p:cSld>
+  <p:clrMapOvr>
+    <a:masterClrMapping/>
+  </p:clrMapOvr>
 </p:sld>
 </file>
 
@@ -4539,56 +4653,53 @@
           </a:lstStyle>
           <a:p>
             <a:r>
-              <a:rPr lang="en-US" sz="2000" cap="small" dirty="0" smtClean="0">
+              <a:rPr lang="en-US" sz="2000" cap="small" dirty="0">
                 <a:latin typeface="+mn-lt"/>
               </a:rPr>
               <a:t>Luo, L., </a:t>
             </a:r>
             <a:r>
-              <a:rPr lang="en-US" sz="2000" cap="small" dirty="0" err="1" smtClean="0">
+              <a:rPr lang="en-US" sz="2000" cap="small" dirty="0" err="1">
                 <a:latin typeface="+mn-lt"/>
               </a:rPr>
               <a:t>Baran</a:t>
             </a:r>
             <a:r>
-              <a:rPr lang="en-US" sz="2000" cap="small" dirty="0" smtClean="0">
+              <a:rPr lang="en-US" sz="2000" cap="small" dirty="0">
                 <a:latin typeface="+mn-lt"/>
               </a:rPr>
               <a:t>, I., </a:t>
             </a:r>
             <a:r>
-              <a:rPr lang="en-US" sz="2000" cap="small" dirty="0" err="1" smtClean="0">
+              <a:rPr lang="en-US" sz="2000" cap="small" dirty="0" err="1">
                 <a:latin typeface="+mn-lt"/>
               </a:rPr>
               <a:t>Rusinkiewicz</a:t>
             </a:r>
             <a:r>
-              <a:rPr lang="en-US" sz="2000" cap="small" dirty="0" smtClean="0">
+              <a:rPr lang="en-US" sz="2000" cap="small" dirty="0">
                 <a:latin typeface="+mn-lt"/>
               </a:rPr>
               <a:t>, S.,  and </a:t>
             </a:r>
             <a:r>
-              <a:rPr lang="en-US" sz="2000" cap="small" dirty="0" err="1" smtClean="0">
+              <a:rPr lang="en-US" sz="2000" cap="small" dirty="0" err="1">
                 <a:latin typeface="+mn-lt"/>
               </a:rPr>
               <a:t>Matusik</a:t>
             </a:r>
             <a:r>
-              <a:rPr lang="en-US" sz="2000" cap="small" dirty="0" smtClean="0">
+              <a:rPr lang="en-US" sz="2000" cap="small" dirty="0">
                 <a:latin typeface="+mn-lt"/>
               </a:rPr>
               <a:t>, W. 2012.</a:t>
             </a:r>
             <a:r>
-              <a:rPr lang="en-US" sz="2000" dirty="0" smtClean="0">
+              <a:rPr lang="en-US" sz="2000" dirty="0">
                 <a:latin typeface="+mn-lt"/>
               </a:rPr>
               <a:t> Chopper: Partitioning Models into 3D-Printable Parts. ACM Transactions on Graphics. Vol. 31, No. 6, Article 129.</a:t>
             </a:r>
-            <a:endParaRPr lang="en-US" sz="2000" dirty="0">
-              <a:latin typeface="+mn-lt"/>
-            </a:endParaRPr>
           </a:p>
         </p:txBody>
       </p:sp>
@@ -4632,13 +4743,6 @@
   <p:clrMapOvr>
     <a:masterClrMapping/>
   </p:clrMapOvr>
-  <p:timing>
-    <p:tnLst>
-      <p:par>
-        <p:cTn id="1" dur="indefinite" restart="never" nodeType="tmRoot"/>
-      </p:par>
-    </p:tnLst>
-  </p:timing>
 </p:sld>
 </file>
 
@@ -4675,10 +4779,9 @@
           <a:lstStyle/>
           <a:p>
             <a:r>
-              <a:rPr lang="en-US" b="1" dirty="0" smtClean="0"/>
+              <a:rPr lang="en-US" b="1" dirty="0"/>
               <a:t>Main Challenges</a:t>
             </a:r>
-            <a:endParaRPr lang="en-US" b="1" dirty="0"/>
           </a:p>
         </p:txBody>
       </p:sp>
@@ -4698,28 +4801,27 @@
           <a:lstStyle/>
           <a:p>
             <a:r>
-              <a:rPr lang="en-US" dirty="0" smtClean="0"/>
+              <a:rPr lang="en-US" dirty="0"/>
               <a:t>Cutting the mesh cleanly</a:t>
             </a:r>
           </a:p>
           <a:p>
             <a:r>
-              <a:rPr lang="en-US" dirty="0" smtClean="0"/>
+              <a:rPr lang="en-US" dirty="0"/>
               <a:t>Closing the mesh</a:t>
             </a:r>
           </a:p>
           <a:p>
             <a:r>
-              <a:rPr lang="en-US" dirty="0" smtClean="0"/>
+              <a:rPr lang="en-US" dirty="0"/>
               <a:t>Beam Search algorithm for finding the next best cut</a:t>
             </a:r>
           </a:p>
           <a:p>
             <a:r>
-              <a:rPr lang="en-US" dirty="0" smtClean="0"/>
+              <a:rPr lang="en-US" dirty="0"/>
               <a:t>Objective functions</a:t>
             </a:r>
-            <a:endParaRPr lang="en-US" dirty="0" smtClean="0"/>
           </a:p>
         </p:txBody>
       </p:sp>
@@ -4733,13 +4835,6 @@
   <p:clrMapOvr>
     <a:masterClrMapping/>
   </p:clrMapOvr>
-  <p:timing>
-    <p:tnLst>
-      <p:par>
-        <p:cTn id="1" dur="indefinite" restart="never" nodeType="tmRoot"/>
-      </p:par>
-    </p:tnLst>
-  </p:timing>
 </p:sld>
 </file>
 
@@ -4776,10 +4871,9 @@
           <a:lstStyle/>
           <a:p>
             <a:r>
-              <a:rPr lang="en-US" b="1" dirty="0" smtClean="0"/>
+              <a:rPr lang="en-US" b="1" dirty="0"/>
               <a:t>Cutting the Mesh</a:t>
             </a:r>
-            <a:endParaRPr lang="en-US" b="1" dirty="0"/>
           </a:p>
         </p:txBody>
       </p:sp>
@@ -4799,36 +4893,36 @@
           <a:lstStyle/>
           <a:p>
             <a:r>
-              <a:rPr lang="en-US" dirty="0" smtClean="0"/>
+              <a:rPr lang="en-US" dirty="0"/>
               <a:t>Given a cutting plane, separate the mesh into 2 parts</a:t>
             </a:r>
           </a:p>
           <a:p>
             <a:r>
-              <a:rPr lang="en-US" dirty="0" smtClean="0"/>
+              <a:rPr lang="en-US" dirty="0"/>
               <a:t>Need to ensure:</a:t>
             </a:r>
           </a:p>
           <a:p>
             <a:pPr lvl="1"/>
             <a:r>
-              <a:rPr lang="en-US" dirty="0" smtClean="0"/>
+              <a:rPr lang="en-US" dirty="0"/>
               <a:t>Not adding same vertex twice</a:t>
             </a:r>
           </a:p>
           <a:p>
             <a:pPr lvl="1"/>
             <a:r>
-              <a:rPr lang="en-US" dirty="0" smtClean="0"/>
+              <a:rPr lang="en-US" dirty="0"/>
               <a:t>Cut triangles oriented the correct way (9 cases)</a:t>
             </a:r>
           </a:p>
           <a:p>
             <a:r>
-              <a:rPr lang="en-US" smtClean="0"/>
+              <a:rPr lang="en-US"/>
               <a:t>Makes use of BSP Tree</a:t>
             </a:r>
-            <a:endParaRPr lang="en-US" dirty="0" smtClean="0"/>
+            <a:endParaRPr lang="en-US" dirty="0"/>
           </a:p>
           <a:p>
             <a:endParaRPr lang="en-US" dirty="0"/>
@@ -4845,13 +4939,6 @@
   <p:clrMapOvr>
     <a:masterClrMapping/>
   </p:clrMapOvr>
-  <p:timing>
-    <p:tnLst>
-      <p:par>
-        <p:cTn id="1" dur="indefinite" restart="never" nodeType="tmRoot"/>
-      </p:par>
-    </p:tnLst>
-  </p:timing>
 </p:sld>
 </file>
 
@@ -4874,6 +4961,116 @@
       </p:grpSpPr>
       <p:sp>
         <p:nvSpPr>
+          <p:cNvPr id="4" name="Title 3"/>
+          <p:cNvSpPr>
+            <a:spLocks noGrp="1"/>
+          </p:cNvSpPr>
+          <p:nvPr>
+            <p:ph type="title"/>
+          </p:nvPr>
+        </p:nvSpPr>
+        <p:spPr/>
+        <p:txBody>
+          <a:bodyPr/>
+          <a:lstStyle/>
+          <a:p>
+            <a:r>
+              <a:rPr lang="en-US" b="1" dirty="0"/>
+              <a:t>Cutting in a Nutshell</a:t>
+            </a:r>
+          </a:p>
+        </p:txBody>
+      </p:sp>
+      <p:pic>
+        <p:nvPicPr>
+          <p:cNvPr id="8" name="Content Placeholder 7"/>
+          <p:cNvPicPr>
+            <a:picLocks noGrp="1" noChangeAspect="1"/>
+          </p:cNvPicPr>
+          <p:nvPr>
+            <p:ph sz="half" idx="1"/>
+          </p:nvPr>
+        </p:nvPicPr>
+        <p:blipFill>
+          <a:blip r:embed="rId2">
+            <a:extLst>
+              <a:ext uri="{28A0092B-C50C-407E-A947-70E740481C1C}">
+                <a14:useLocalDpi xmlns:a14="http://schemas.microsoft.com/office/drawing/2010/main" val="0"/>
+              </a:ext>
+            </a:extLst>
+          </a:blip>
+          <a:stretch>
+            <a:fillRect/>
+          </a:stretch>
+        </p:blipFill>
+        <p:spPr>
+          <a:xfrm>
+            <a:off x="923925" y="2434431"/>
+            <a:ext cx="5010150" cy="3133725"/>
+          </a:xfrm>
+        </p:spPr>
+      </p:pic>
+      <p:pic>
+        <p:nvPicPr>
+          <p:cNvPr id="10" name="Content Placeholder 9"/>
+          <p:cNvPicPr>
+            <a:picLocks noGrp="1" noChangeAspect="1"/>
+          </p:cNvPicPr>
+          <p:nvPr>
+            <p:ph sz="half" idx="2"/>
+          </p:nvPr>
+        </p:nvPicPr>
+        <p:blipFill>
+          <a:blip r:embed="rId3">
+            <a:extLst>
+              <a:ext uri="{28A0092B-C50C-407E-A947-70E740481C1C}">
+                <a14:useLocalDpi xmlns:a14="http://schemas.microsoft.com/office/drawing/2010/main" val="0"/>
+              </a:ext>
+            </a:extLst>
+          </a:blip>
+          <a:stretch>
+            <a:fillRect/>
+          </a:stretch>
+        </p:blipFill>
+        <p:spPr>
+          <a:xfrm>
+            <a:off x="6684931" y="1825625"/>
+            <a:ext cx="4156137" cy="4351338"/>
+          </a:xfrm>
+        </p:spPr>
+      </p:pic>
+    </p:spTree>
+    <p:extLst>
+      <p:ext uri="{BB962C8B-B14F-4D97-AF65-F5344CB8AC3E}">
+        <p14:creationId xmlns:p14="http://schemas.microsoft.com/office/powerpoint/2010/main" val="3312101480"/>
+      </p:ext>
+    </p:extLst>
+  </p:cSld>
+  <p:clrMapOvr>
+    <a:masterClrMapping/>
+  </p:clrMapOvr>
+</p:sld>
+</file>
+
+<file path=ppt/slides/slide7.xml><?xml version="1.0" encoding="utf-8"?>
+<p:sld xmlns:a="http://schemas.openxmlformats.org/drawingml/2006/main" xmlns:r="http://schemas.openxmlformats.org/officeDocument/2006/relationships" xmlns:p="http://schemas.openxmlformats.org/presentationml/2006/main">
+  <p:cSld>
+    <p:spTree>
+      <p:nvGrpSpPr>
+        <p:cNvPr id="1" name=""/>
+        <p:cNvGrpSpPr/>
+        <p:nvPr/>
+      </p:nvGrpSpPr>
+      <p:grpSpPr>
+        <a:xfrm>
+          <a:off x="0" y="0"/>
+          <a:ext cx="0" cy="0"/>
+          <a:chOff x="0" y="0"/>
+          <a:chExt cx="0" cy="0"/>
+        </a:xfrm>
+      </p:grpSpPr>
+      <p:sp>
+        <p:nvSpPr>
           <p:cNvPr id="2" name="Title 1"/>
           <p:cNvSpPr>
             <a:spLocks noGrp="1"/>
@@ -4888,10 +5085,9 @@
           <a:lstStyle/>
           <a:p>
             <a:r>
-              <a:rPr lang="en-US" b="1" dirty="0" smtClean="0"/>
+              <a:rPr lang="en-US" b="1" dirty="0"/>
               <a:t>First Try</a:t>
             </a:r>
-            <a:endParaRPr lang="en-US" b="1" dirty="0"/>
           </a:p>
         </p:txBody>
       </p:sp>
@@ -5005,17 +5201,10 @@
   <p:clrMapOvr>
     <a:masterClrMapping/>
   </p:clrMapOvr>
-  <p:timing>
-    <p:tnLst>
-      <p:par>
-        <p:cTn id="1" dur="indefinite" restart="never" nodeType="tmRoot"/>
-      </p:par>
-    </p:tnLst>
-  </p:timing>
 </p:sld>
 </file>
 
-<file path=ppt/slides/slide7.xml><?xml version="1.0" encoding="utf-8"?>
+<file path=ppt/slides/slide8.xml><?xml version="1.0" encoding="utf-8"?>
 <p:sld xmlns:a="http://schemas.openxmlformats.org/drawingml/2006/main" xmlns:r="http://schemas.openxmlformats.org/officeDocument/2006/relationships" xmlns:p="http://schemas.openxmlformats.org/presentationml/2006/main">
   <p:cSld>
     <p:spTree>
@@ -5048,10 +5237,9 @@
           <a:lstStyle/>
           <a:p>
             <a:r>
-              <a:rPr lang="en-US" b="1" dirty="0" smtClean="0"/>
+              <a:rPr lang="en-US" b="1" dirty="0"/>
               <a:t>New Approach</a:t>
             </a:r>
-            <a:endParaRPr lang="en-US" b="1" dirty="0"/>
           </a:p>
         </p:txBody>
       </p:sp>
@@ -5165,17 +5353,10 @@
   <p:clrMapOvr>
     <a:masterClrMapping/>
   </p:clrMapOvr>
-  <p:timing>
-    <p:tnLst>
-      <p:par>
-        <p:cTn id="1" dur="indefinite" restart="never" nodeType="tmRoot"/>
-      </p:par>
-    </p:tnLst>
-  </p:timing>
 </p:sld>
 </file>
 
-<file path=ppt/slides/slide8.xml><?xml version="1.0" encoding="utf-8"?>
+<file path=ppt/slides/slide9.xml><?xml version="1.0" encoding="utf-8"?>
 <p:sld xmlns:a="http://schemas.openxmlformats.org/drawingml/2006/main" xmlns:r="http://schemas.openxmlformats.org/officeDocument/2006/relationships" xmlns:p="http://schemas.openxmlformats.org/presentationml/2006/main">
   <p:cSld>
     <p:spTree>
@@ -5208,10 +5389,9 @@
           <a:lstStyle/>
           <a:p>
             <a:r>
-              <a:rPr lang="en-US" b="1" dirty="0" smtClean="0"/>
+              <a:rPr lang="en-US" b="1" dirty="0"/>
               <a:t>Lots of Tries</a:t>
             </a:r>
-            <a:endParaRPr lang="en-US" b="1" dirty="0"/>
           </a:p>
         </p:txBody>
       </p:sp>
@@ -5285,103 +5465,6 @@
   <p:clrMapOvr>
     <a:masterClrMapping/>
   </p:clrMapOvr>
-  <p:timing>
-    <p:tnLst>
-      <p:par>
-        <p:cTn id="1" dur="indefinite" restart="never" nodeType="tmRoot"/>
-      </p:par>
-    </p:tnLst>
-  </p:timing>
-</p:sld>
-</file>
-
-<file path=ppt/slides/slide9.xml><?xml version="1.0" encoding="utf-8"?>
-<p:sld xmlns:a="http://schemas.openxmlformats.org/drawingml/2006/main" xmlns:r="http://schemas.openxmlformats.org/officeDocument/2006/relationships" xmlns:p="http://schemas.openxmlformats.org/presentationml/2006/main">
-  <p:cSld>
-    <p:spTree>
-      <p:nvGrpSpPr>
-        <p:cNvPr id="1" name=""/>
-        <p:cNvGrpSpPr/>
-        <p:nvPr/>
-      </p:nvGrpSpPr>
-      <p:grpSpPr>
-        <a:xfrm>
-          <a:off x="0" y="0"/>
-          <a:ext cx="0" cy="0"/>
-          <a:chOff x="0" y="0"/>
-          <a:chExt cx="0" cy="0"/>
-        </a:xfrm>
-      </p:grpSpPr>
-      <p:sp>
-        <p:nvSpPr>
-          <p:cNvPr id="2" name="Title 1"/>
-          <p:cNvSpPr>
-            <a:spLocks noGrp="1"/>
-          </p:cNvSpPr>
-          <p:nvPr>
-            <p:ph type="title"/>
-          </p:nvPr>
-        </p:nvSpPr>
-        <p:spPr/>
-        <p:txBody>
-          <a:bodyPr/>
-          <a:lstStyle/>
-          <a:p>
-            <a:r>
-              <a:rPr lang="en-US" b="1" dirty="0" smtClean="0"/>
-              <a:t>Open Mesh</a:t>
-            </a:r>
-            <a:endParaRPr lang="en-US" b="1" dirty="0"/>
-          </a:p>
-        </p:txBody>
-      </p:sp>
-      <p:pic>
-        <p:nvPicPr>
-          <p:cNvPr id="3" name="Picture 2"/>
-          <p:cNvPicPr>
-            <a:picLocks noChangeAspect="1"/>
-          </p:cNvPicPr>
-          <p:nvPr/>
-        </p:nvPicPr>
-        <p:blipFill>
-          <a:blip r:embed="rId2">
-            <a:extLst>
-              <a:ext uri="{28A0092B-C50C-407E-A947-70E740481C1C}">
-                <a14:useLocalDpi xmlns:a14="http://schemas.microsoft.com/office/drawing/2010/main" val="0"/>
-              </a:ext>
-            </a:extLst>
-          </a:blip>
-          <a:stretch>
-            <a:fillRect/>
-          </a:stretch>
-        </p:blipFill>
-        <p:spPr>
-          <a:xfrm>
-            <a:off x="3714750" y="1538288"/>
-            <a:ext cx="4762500" cy="5029200"/>
-          </a:xfrm>
-          <a:prstGeom prst="rect">
-            <a:avLst/>
-          </a:prstGeom>
-        </p:spPr>
-      </p:pic>
-    </p:spTree>
-    <p:extLst>
-      <p:ext uri="{BB962C8B-B14F-4D97-AF65-F5344CB8AC3E}">
-        <p14:creationId xmlns:p14="http://schemas.microsoft.com/office/powerpoint/2010/main" val="4137628414"/>
-      </p:ext>
-    </p:extLst>
-  </p:cSld>
-  <p:clrMapOvr>
-    <a:masterClrMapping/>
-  </p:clrMapOvr>
-  <p:timing>
-    <p:tnLst>
-      <p:par>
-        <p:cTn id="1" dur="indefinite" restart="never" nodeType="tmRoot"/>
-      </p:par>
-    </p:tnLst>
-  </p:timing>
 </p:sld>
 </file>
 

--- a/presentation/Presentation.pptx
+++ b/presentation/Presentation.pptx
@@ -4248,8 +4248,8 @@
         </p:blipFill>
         <p:spPr>
           <a:xfrm>
-            <a:off x="838200" y="1926831"/>
-            <a:ext cx="2284668" cy="2346231"/>
+            <a:off x="838199" y="1926831"/>
+            <a:ext cx="3006969" cy="3087995"/>
           </a:xfrm>
           <a:prstGeom prst="rect">
             <a:avLst/>
@@ -4281,6 +4281,124 @@
             <a:r>
               <a:rPr lang="en-US" sz="1200" dirty="0"/>
               <a:t>Bunny: 7.16s</a:t>
+            </a:r>
+          </a:p>
+        </p:txBody>
+      </p:sp>
+      <p:pic>
+        <p:nvPicPr>
+          <p:cNvPr id="4" name="Picture 3"/>
+          <p:cNvPicPr>
+            <a:picLocks noChangeAspect="1"/>
+          </p:cNvPicPr>
+          <p:nvPr/>
+        </p:nvPicPr>
+        <p:blipFill>
+          <a:blip r:embed="rId3" cstate="print">
+            <a:extLst>
+              <a:ext uri="{28A0092B-C50C-407E-A947-70E740481C1C}">
+                <a14:useLocalDpi xmlns:a14="http://schemas.microsoft.com/office/drawing/2010/main" val="0"/>
+              </a:ext>
+            </a:extLst>
+          </a:blip>
+          <a:stretch>
+            <a:fillRect/>
+          </a:stretch>
+        </p:blipFill>
+        <p:spPr>
+          <a:xfrm>
+            <a:off x="4488666" y="1926831"/>
+            <a:ext cx="3006969" cy="3087995"/>
+          </a:xfrm>
+          <a:prstGeom prst="rect">
+            <a:avLst/>
+          </a:prstGeom>
+        </p:spPr>
+      </p:pic>
+      <p:pic>
+        <p:nvPicPr>
+          <p:cNvPr id="8" name="Picture 7"/>
+          <p:cNvPicPr>
+            <a:picLocks noChangeAspect="1"/>
+          </p:cNvPicPr>
+          <p:nvPr/>
+        </p:nvPicPr>
+        <p:blipFill>
+          <a:blip r:embed="rId4" cstate="print">
+            <a:extLst>
+              <a:ext uri="{28A0092B-C50C-407E-A947-70E740481C1C}">
+                <a14:useLocalDpi xmlns:a14="http://schemas.microsoft.com/office/drawing/2010/main" val="0"/>
+              </a:ext>
+            </a:extLst>
+          </a:blip>
+          <a:stretch>
+            <a:fillRect/>
+          </a:stretch>
+        </p:blipFill>
+        <p:spPr>
+          <a:xfrm>
+            <a:off x="8134652" y="1926831"/>
+            <a:ext cx="3011451" cy="3092599"/>
+          </a:xfrm>
+          <a:prstGeom prst="rect">
+            <a:avLst/>
+          </a:prstGeom>
+        </p:spPr>
+      </p:pic>
+      <p:sp>
+        <p:nvSpPr>
+          <p:cNvPr id="9" name="TextBox 8"/>
+          <p:cNvSpPr txBox="1"/>
+          <p:nvPr/>
+        </p:nvSpPr>
+        <p:spPr>
+          <a:xfrm>
+            <a:off x="4484185" y="1649832"/>
+            <a:ext cx="2089931" cy="276999"/>
+          </a:xfrm>
+          <a:prstGeom prst="rect">
+            <a:avLst/>
+          </a:prstGeom>
+          <a:noFill/>
+        </p:spPr>
+        <p:txBody>
+          <a:bodyPr wrap="none" rtlCol="0">
+            <a:spAutoFit/>
+          </a:bodyPr>
+          <a:lstStyle/>
+          <a:p>
+            <a:r>
+              <a:rPr lang="en-US" sz="1200" dirty="0"/>
+              <a:t>Cube: 4.51s (did not converge)</a:t>
+            </a:r>
+          </a:p>
+        </p:txBody>
+      </p:sp>
+      <p:sp>
+        <p:nvSpPr>
+          <p:cNvPr id="10" name="TextBox 9"/>
+          <p:cNvSpPr txBox="1"/>
+          <p:nvPr/>
+        </p:nvSpPr>
+        <p:spPr>
+          <a:xfrm>
+            <a:off x="8134652" y="1684548"/>
+            <a:ext cx="2342244" cy="276999"/>
+          </a:xfrm>
+          <a:prstGeom prst="rect">
+            <a:avLst/>
+          </a:prstGeom>
+          <a:noFill/>
+        </p:spPr>
+        <p:txBody>
+          <a:bodyPr wrap="none" rtlCol="0">
+            <a:spAutoFit/>
+          </a:bodyPr>
+          <a:lstStyle/>
+          <a:p>
+            <a:r>
+              <a:rPr lang="en-US" sz="1200" dirty="0"/>
+              <a:t>Dragon: 1m 24s (did not converge)</a:t>
             </a:r>
           </a:p>
         </p:txBody>
